--- a/documents/Javascript语言基础.pptx
+++ b/documents/Javascript语言基础.pptx
@@ -5,24 +5,24 @@
     <p:sldMasterId id="2147483648" r:id="rId1"/>
   </p:sldMasterIdLst>
   <p:notesMasterIdLst>
-    <p:notesMasterId r:id="rId17"/>
+    <p:notesMasterId r:id="rId18"/>
   </p:notesMasterIdLst>
   <p:sldIdLst>
-    <p:sldId id="256" r:id="rId2"/>
-    <p:sldId id="258" r:id="rId3"/>
-    <p:sldId id="260" r:id="rId4"/>
-    <p:sldId id="261" r:id="rId5"/>
-    <p:sldId id="262" r:id="rId6"/>
-    <p:sldId id="265" r:id="rId7"/>
-    <p:sldId id="263" r:id="rId8"/>
-    <p:sldId id="264" r:id="rId9"/>
-    <p:sldId id="266" r:id="rId10"/>
-    <p:sldId id="267" r:id="rId11"/>
-    <p:sldId id="268" r:id="rId12"/>
-    <p:sldId id="269" r:id="rId13"/>
-    <p:sldId id="270" r:id="rId14"/>
-    <p:sldId id="271" r:id="rId15"/>
-    <p:sldId id="259" r:id="rId16"/>
+    <p:sldId id="256" r:id="rId3"/>
+    <p:sldId id="258" r:id="rId4"/>
+    <p:sldId id="260" r:id="rId5"/>
+    <p:sldId id="261" r:id="rId6"/>
+    <p:sldId id="262" r:id="rId7"/>
+    <p:sldId id="265" r:id="rId8"/>
+    <p:sldId id="263" r:id="rId9"/>
+    <p:sldId id="264" r:id="rId10"/>
+    <p:sldId id="266" r:id="rId11"/>
+    <p:sldId id="267" r:id="rId12"/>
+    <p:sldId id="268" r:id="rId13"/>
+    <p:sldId id="269" r:id="rId14"/>
+    <p:sldId id="270" r:id="rId15"/>
+    <p:sldId id="271" r:id="rId16"/>
+    <p:sldId id="259" r:id="rId17"/>
   </p:sldIdLst>
   <p:sldSz cx="12192000" cy="6858000"/>
   <p:notesSz cx="6858000" cy="9144000"/>
@@ -121,11 +121,6 @@
       </a:defRPr>
     </a:lvl9pPr>
   </p:defaultTextStyle>
-  <p:extLst>
-    <p:ext uri="{EFAFB233-063F-42B5-8137-9DF3F51BA10A}">
-      <p15:sldGuideLst xmlns:p15="http://schemas.microsoft.com/office/powerpoint/2012/main"/>
-    </p:ext>
-  </p:extLst>
 </p:presentation>
 </file>
 
@@ -211,7 +206,6 @@
           <a:p>
             <a:fld id="{D2A48B96-639E-45A3-A0BA-2464DFDB1FAA}" type="datetimeFigureOut">
               <a:rPr lang="zh-CN" altLang="en-US" smtClean="0"/>
-              <a:t>2017/11/6</a:t>
             </a:fld>
             <a:endParaRPr lang="zh-CN" altLang="en-US"/>
           </a:p>
@@ -278,6 +272,7 @@
               <a:rPr lang="zh-CN" altLang="en-US" smtClean="0"/>
               <a:t>单击此处编辑母版文本样式</a:t>
             </a:r>
+            <a:endParaRPr lang="zh-CN" altLang="en-US" smtClean="0"/>
           </a:p>
           <a:p>
             <a:pPr lvl="1"/>
@@ -285,6 +280,7 @@
               <a:rPr lang="zh-CN" altLang="en-US" smtClean="0"/>
               <a:t>第二级</a:t>
             </a:r>
+            <a:endParaRPr lang="zh-CN" altLang="en-US" smtClean="0"/>
           </a:p>
           <a:p>
             <a:pPr lvl="2"/>
@@ -292,6 +288,7 @@
               <a:rPr lang="zh-CN" altLang="en-US" smtClean="0"/>
               <a:t>第三级</a:t>
             </a:r>
+            <a:endParaRPr lang="zh-CN" altLang="en-US" smtClean="0"/>
           </a:p>
           <a:p>
             <a:pPr lvl="3"/>
@@ -299,6 +296,7 @@
               <a:rPr lang="zh-CN" altLang="en-US" smtClean="0"/>
               <a:t>第四级</a:t>
             </a:r>
+            <a:endParaRPr lang="zh-CN" altLang="en-US" smtClean="0"/>
           </a:p>
           <a:p>
             <a:pPr lvl="4"/>
@@ -370,7 +368,6 @@
           <a:p>
             <a:fld id="{A6837353-30EB-4A48-80EB-173D804AEFBD}" type="slidenum">
               <a:rPr lang="zh-CN" altLang="en-US" smtClean="0"/>
-              <a:t>‹#›</a:t>
             </a:fld>
             <a:endParaRPr lang="zh-CN" altLang="en-US"/>
           </a:p>
@@ -605,7 +602,6 @@
           <a:p>
             <a:fld id="{D997B5FA-0921-464F-AAE1-844C04324D75}" type="datetimeFigureOut">
               <a:rPr lang="zh-CN" altLang="en-US" smtClean="0"/>
-              <a:t>2017/11/6</a:t>
             </a:fld>
             <a:endParaRPr lang="zh-CN" altLang="en-US"/>
           </a:p>
@@ -647,7 +643,6 @@
           <a:p>
             <a:fld id="{565CE74E-AB26-4998-AD42-012C4C1AD076}" type="slidenum">
               <a:rPr lang="zh-CN" altLang="en-US" smtClean="0"/>
-              <a:t>‹#›</a:t>
             </a:fld>
             <a:endParaRPr lang="zh-CN" altLang="en-US"/>
           </a:p>
@@ -721,6 +716,7 @@
               <a:rPr lang="zh-CN" altLang="en-US" smtClean="0"/>
               <a:t>单击此处编辑母版文本样式</a:t>
             </a:r>
+            <a:endParaRPr lang="zh-CN" altLang="en-US" smtClean="0"/>
           </a:p>
           <a:p>
             <a:pPr lvl="1"/>
@@ -728,6 +724,7 @@
               <a:rPr lang="zh-CN" altLang="en-US" smtClean="0"/>
               <a:t>第二级</a:t>
             </a:r>
+            <a:endParaRPr lang="zh-CN" altLang="en-US" smtClean="0"/>
           </a:p>
           <a:p>
             <a:pPr lvl="2"/>
@@ -735,6 +732,7 @@
               <a:rPr lang="zh-CN" altLang="en-US" smtClean="0"/>
               <a:t>第三级</a:t>
             </a:r>
+            <a:endParaRPr lang="zh-CN" altLang="en-US" smtClean="0"/>
           </a:p>
           <a:p>
             <a:pPr lvl="3"/>
@@ -742,6 +740,7 @@
               <a:rPr lang="zh-CN" altLang="en-US" smtClean="0"/>
               <a:t>第四级</a:t>
             </a:r>
+            <a:endParaRPr lang="zh-CN" altLang="en-US" smtClean="0"/>
           </a:p>
           <a:p>
             <a:pPr lvl="4"/>
@@ -770,7 +769,6 @@
           <a:p>
             <a:fld id="{D997B5FA-0921-464F-AAE1-844C04324D75}" type="datetimeFigureOut">
               <a:rPr lang="zh-CN" altLang="en-US" smtClean="0"/>
-              <a:t>2017/11/6</a:t>
             </a:fld>
             <a:endParaRPr lang="zh-CN" altLang="en-US"/>
           </a:p>
@@ -812,7 +810,6 @@
           <a:p>
             <a:fld id="{565CE74E-AB26-4998-AD42-012C4C1AD076}" type="slidenum">
               <a:rPr lang="zh-CN" altLang="en-US" smtClean="0"/>
-              <a:t>‹#›</a:t>
             </a:fld>
             <a:endParaRPr lang="zh-CN" altLang="en-US"/>
           </a:p>
@@ -896,6 +893,7 @@
               <a:rPr lang="zh-CN" altLang="en-US" smtClean="0"/>
               <a:t>单击此处编辑母版文本样式</a:t>
             </a:r>
+            <a:endParaRPr lang="zh-CN" altLang="en-US" smtClean="0"/>
           </a:p>
           <a:p>
             <a:pPr lvl="1"/>
@@ -903,6 +901,7 @@
               <a:rPr lang="zh-CN" altLang="en-US" smtClean="0"/>
               <a:t>第二级</a:t>
             </a:r>
+            <a:endParaRPr lang="zh-CN" altLang="en-US" smtClean="0"/>
           </a:p>
           <a:p>
             <a:pPr lvl="2"/>
@@ -910,6 +909,7 @@
               <a:rPr lang="zh-CN" altLang="en-US" smtClean="0"/>
               <a:t>第三级</a:t>
             </a:r>
+            <a:endParaRPr lang="zh-CN" altLang="en-US" smtClean="0"/>
           </a:p>
           <a:p>
             <a:pPr lvl="3"/>
@@ -917,6 +917,7 @@
               <a:rPr lang="zh-CN" altLang="en-US" smtClean="0"/>
               <a:t>第四级</a:t>
             </a:r>
+            <a:endParaRPr lang="zh-CN" altLang="en-US" smtClean="0"/>
           </a:p>
           <a:p>
             <a:pPr lvl="4"/>
@@ -945,7 +946,6 @@
           <a:p>
             <a:fld id="{D997B5FA-0921-464F-AAE1-844C04324D75}" type="datetimeFigureOut">
               <a:rPr lang="zh-CN" altLang="en-US" smtClean="0"/>
-              <a:t>2017/11/6</a:t>
             </a:fld>
             <a:endParaRPr lang="zh-CN" altLang="en-US"/>
           </a:p>
@@ -987,7 +987,6 @@
           <a:p>
             <a:fld id="{565CE74E-AB26-4998-AD42-012C4C1AD076}" type="slidenum">
               <a:rPr lang="zh-CN" altLang="en-US" smtClean="0"/>
-              <a:t>‹#›</a:t>
             </a:fld>
             <a:endParaRPr lang="zh-CN" altLang="en-US"/>
           </a:p>
@@ -1061,6 +1060,7 @@
               <a:rPr lang="zh-CN" altLang="en-US" smtClean="0"/>
               <a:t>单击此处编辑母版文本样式</a:t>
             </a:r>
+            <a:endParaRPr lang="zh-CN" altLang="en-US" smtClean="0"/>
           </a:p>
           <a:p>
             <a:pPr lvl="1"/>
@@ -1068,6 +1068,7 @@
               <a:rPr lang="zh-CN" altLang="en-US" smtClean="0"/>
               <a:t>第二级</a:t>
             </a:r>
+            <a:endParaRPr lang="zh-CN" altLang="en-US" smtClean="0"/>
           </a:p>
           <a:p>
             <a:pPr lvl="2"/>
@@ -1075,6 +1076,7 @@
               <a:rPr lang="zh-CN" altLang="en-US" smtClean="0"/>
               <a:t>第三级</a:t>
             </a:r>
+            <a:endParaRPr lang="zh-CN" altLang="en-US" smtClean="0"/>
           </a:p>
           <a:p>
             <a:pPr lvl="3"/>
@@ -1082,6 +1084,7 @@
               <a:rPr lang="zh-CN" altLang="en-US" smtClean="0"/>
               <a:t>第四级</a:t>
             </a:r>
+            <a:endParaRPr lang="zh-CN" altLang="en-US" smtClean="0"/>
           </a:p>
           <a:p>
             <a:pPr lvl="4"/>
@@ -1110,7 +1113,6 @@
           <a:p>
             <a:fld id="{D997B5FA-0921-464F-AAE1-844C04324D75}" type="datetimeFigureOut">
               <a:rPr lang="zh-CN" altLang="en-US" smtClean="0"/>
-              <a:t>2017/11/6</a:t>
             </a:fld>
             <a:endParaRPr lang="zh-CN" altLang="en-US"/>
           </a:p>
@@ -1152,7 +1154,6 @@
           <a:p>
             <a:fld id="{565CE74E-AB26-4998-AD42-012C4C1AD076}" type="slidenum">
               <a:rPr lang="zh-CN" altLang="en-US" smtClean="0"/>
-              <a:t>‹#›</a:t>
             </a:fld>
             <a:endParaRPr lang="zh-CN" altLang="en-US"/>
           </a:p>
@@ -1331,6 +1332,7 @@
               <a:rPr lang="zh-CN" altLang="en-US" smtClean="0"/>
               <a:t>单击此处编辑母版文本样式</a:t>
             </a:r>
+            <a:endParaRPr lang="zh-CN" altLang="en-US" smtClean="0"/>
           </a:p>
         </p:txBody>
       </p:sp>
@@ -1351,7 +1353,6 @@
           <a:p>
             <a:fld id="{D997B5FA-0921-464F-AAE1-844C04324D75}" type="datetimeFigureOut">
               <a:rPr lang="zh-CN" altLang="en-US" smtClean="0"/>
-              <a:t>2017/11/6</a:t>
             </a:fld>
             <a:endParaRPr lang="zh-CN" altLang="en-US"/>
           </a:p>
@@ -1393,7 +1394,6 @@
           <a:p>
             <a:fld id="{565CE74E-AB26-4998-AD42-012C4C1AD076}" type="slidenum">
               <a:rPr lang="zh-CN" altLang="en-US" smtClean="0"/>
-              <a:t>‹#›</a:t>
             </a:fld>
             <a:endParaRPr lang="zh-CN" altLang="en-US"/>
           </a:p>
@@ -1472,6 +1472,7 @@
               <a:rPr lang="zh-CN" altLang="en-US" smtClean="0"/>
               <a:t>单击此处编辑母版文本样式</a:t>
             </a:r>
+            <a:endParaRPr lang="zh-CN" altLang="en-US" smtClean="0"/>
           </a:p>
           <a:p>
             <a:pPr lvl="1"/>
@@ -1479,6 +1480,7 @@
               <a:rPr lang="zh-CN" altLang="en-US" smtClean="0"/>
               <a:t>第二级</a:t>
             </a:r>
+            <a:endParaRPr lang="zh-CN" altLang="en-US" smtClean="0"/>
           </a:p>
           <a:p>
             <a:pPr lvl="2"/>
@@ -1486,6 +1488,7 @@
               <a:rPr lang="zh-CN" altLang="en-US" smtClean="0"/>
               <a:t>第三级</a:t>
             </a:r>
+            <a:endParaRPr lang="zh-CN" altLang="en-US" smtClean="0"/>
           </a:p>
           <a:p>
             <a:pPr lvl="3"/>
@@ -1493,6 +1496,7 @@
               <a:rPr lang="zh-CN" altLang="en-US" smtClean="0"/>
               <a:t>第四级</a:t>
             </a:r>
+            <a:endParaRPr lang="zh-CN" altLang="en-US" smtClean="0"/>
           </a:p>
           <a:p>
             <a:pPr lvl="4"/>
@@ -1529,6 +1533,7 @@
               <a:rPr lang="zh-CN" altLang="en-US" smtClean="0"/>
               <a:t>单击此处编辑母版文本样式</a:t>
             </a:r>
+            <a:endParaRPr lang="zh-CN" altLang="en-US" smtClean="0"/>
           </a:p>
           <a:p>
             <a:pPr lvl="1"/>
@@ -1536,6 +1541,7 @@
               <a:rPr lang="zh-CN" altLang="en-US" smtClean="0"/>
               <a:t>第二级</a:t>
             </a:r>
+            <a:endParaRPr lang="zh-CN" altLang="en-US" smtClean="0"/>
           </a:p>
           <a:p>
             <a:pPr lvl="2"/>
@@ -1543,6 +1549,7 @@
               <a:rPr lang="zh-CN" altLang="en-US" smtClean="0"/>
               <a:t>第三级</a:t>
             </a:r>
+            <a:endParaRPr lang="zh-CN" altLang="en-US" smtClean="0"/>
           </a:p>
           <a:p>
             <a:pPr lvl="3"/>
@@ -1550,6 +1557,7 @@
               <a:rPr lang="zh-CN" altLang="en-US" smtClean="0"/>
               <a:t>第四级</a:t>
             </a:r>
+            <a:endParaRPr lang="zh-CN" altLang="en-US" smtClean="0"/>
           </a:p>
           <a:p>
             <a:pPr lvl="4"/>
@@ -1578,7 +1586,6 @@
           <a:p>
             <a:fld id="{D997B5FA-0921-464F-AAE1-844C04324D75}" type="datetimeFigureOut">
               <a:rPr lang="zh-CN" altLang="en-US" smtClean="0"/>
-              <a:t>2017/11/6</a:t>
             </a:fld>
             <a:endParaRPr lang="zh-CN" altLang="en-US"/>
           </a:p>
@@ -1620,7 +1627,6 @@
           <a:p>
             <a:fld id="{565CE74E-AB26-4998-AD42-012C4C1AD076}" type="slidenum">
               <a:rPr lang="zh-CN" altLang="en-US" smtClean="0"/>
-              <a:t>‹#›</a:t>
             </a:fld>
             <a:endParaRPr lang="zh-CN" altLang="en-US"/>
           </a:p>
@@ -1741,6 +1747,7 @@
               <a:rPr lang="zh-CN" altLang="en-US" smtClean="0"/>
               <a:t>单击此处编辑母版文本样式</a:t>
             </a:r>
+            <a:endParaRPr lang="zh-CN" altLang="en-US" smtClean="0"/>
           </a:p>
         </p:txBody>
       </p:sp>
@@ -1769,6 +1776,7 @@
               <a:rPr lang="zh-CN" altLang="en-US" smtClean="0"/>
               <a:t>单击此处编辑母版文本样式</a:t>
             </a:r>
+            <a:endParaRPr lang="zh-CN" altLang="en-US" smtClean="0"/>
           </a:p>
           <a:p>
             <a:pPr lvl="1"/>
@@ -1776,6 +1784,7 @@
               <a:rPr lang="zh-CN" altLang="en-US" smtClean="0"/>
               <a:t>第二级</a:t>
             </a:r>
+            <a:endParaRPr lang="zh-CN" altLang="en-US" smtClean="0"/>
           </a:p>
           <a:p>
             <a:pPr lvl="2"/>
@@ -1783,6 +1792,7 @@
               <a:rPr lang="zh-CN" altLang="en-US" smtClean="0"/>
               <a:t>第三级</a:t>
             </a:r>
+            <a:endParaRPr lang="zh-CN" altLang="en-US" smtClean="0"/>
           </a:p>
           <a:p>
             <a:pPr lvl="3"/>
@@ -1790,6 +1800,7 @@
               <a:rPr lang="zh-CN" altLang="en-US" smtClean="0"/>
               <a:t>第四级</a:t>
             </a:r>
+            <a:endParaRPr lang="zh-CN" altLang="en-US" smtClean="0"/>
           </a:p>
           <a:p>
             <a:pPr lvl="4"/>
@@ -1863,6 +1874,7 @@
               <a:rPr lang="zh-CN" altLang="en-US" smtClean="0"/>
               <a:t>单击此处编辑母版文本样式</a:t>
             </a:r>
+            <a:endParaRPr lang="zh-CN" altLang="en-US" smtClean="0"/>
           </a:p>
         </p:txBody>
       </p:sp>
@@ -1891,6 +1903,7 @@
               <a:rPr lang="zh-CN" altLang="en-US" smtClean="0"/>
               <a:t>单击此处编辑母版文本样式</a:t>
             </a:r>
+            <a:endParaRPr lang="zh-CN" altLang="en-US" smtClean="0"/>
           </a:p>
           <a:p>
             <a:pPr lvl="1"/>
@@ -1898,6 +1911,7 @@
               <a:rPr lang="zh-CN" altLang="en-US" smtClean="0"/>
               <a:t>第二级</a:t>
             </a:r>
+            <a:endParaRPr lang="zh-CN" altLang="en-US" smtClean="0"/>
           </a:p>
           <a:p>
             <a:pPr lvl="2"/>
@@ -1905,6 +1919,7 @@
               <a:rPr lang="zh-CN" altLang="en-US" smtClean="0"/>
               <a:t>第三级</a:t>
             </a:r>
+            <a:endParaRPr lang="zh-CN" altLang="en-US" smtClean="0"/>
           </a:p>
           <a:p>
             <a:pPr lvl="3"/>
@@ -1912,6 +1927,7 @@
               <a:rPr lang="zh-CN" altLang="en-US" smtClean="0"/>
               <a:t>第四级</a:t>
             </a:r>
+            <a:endParaRPr lang="zh-CN" altLang="en-US" smtClean="0"/>
           </a:p>
           <a:p>
             <a:pPr lvl="4"/>
@@ -1940,7 +1956,6 @@
           <a:p>
             <a:fld id="{D997B5FA-0921-464F-AAE1-844C04324D75}" type="datetimeFigureOut">
               <a:rPr lang="zh-CN" altLang="en-US" smtClean="0"/>
-              <a:t>2017/11/6</a:t>
             </a:fld>
             <a:endParaRPr lang="zh-CN" altLang="en-US"/>
           </a:p>
@@ -1982,7 +1997,6 @@
           <a:p>
             <a:fld id="{565CE74E-AB26-4998-AD42-012C4C1AD076}" type="slidenum">
               <a:rPr lang="zh-CN" altLang="en-US" smtClean="0"/>
-              <a:t>‹#›</a:t>
             </a:fld>
             <a:endParaRPr lang="zh-CN" altLang="en-US"/>
           </a:p>
@@ -2053,7 +2067,6 @@
           <a:p>
             <a:fld id="{D997B5FA-0921-464F-AAE1-844C04324D75}" type="datetimeFigureOut">
               <a:rPr lang="zh-CN" altLang="en-US" smtClean="0"/>
-              <a:t>2017/11/6</a:t>
             </a:fld>
             <a:endParaRPr lang="zh-CN" altLang="en-US"/>
           </a:p>
@@ -2095,7 +2108,6 @@
           <a:p>
             <a:fld id="{565CE74E-AB26-4998-AD42-012C4C1AD076}" type="slidenum">
               <a:rPr lang="zh-CN" altLang="en-US" smtClean="0"/>
-              <a:t>‹#›</a:t>
             </a:fld>
             <a:endParaRPr lang="zh-CN" altLang="en-US"/>
           </a:p>
@@ -2143,7 +2155,6 @@
           <a:p>
             <a:fld id="{D997B5FA-0921-464F-AAE1-844C04324D75}" type="datetimeFigureOut">
               <a:rPr lang="zh-CN" altLang="en-US" smtClean="0"/>
-              <a:t>2017/11/6</a:t>
             </a:fld>
             <a:endParaRPr lang="zh-CN" altLang="en-US"/>
           </a:p>
@@ -2185,7 +2196,6 @@
           <a:p>
             <a:fld id="{565CE74E-AB26-4998-AD42-012C4C1AD076}" type="slidenum">
               <a:rPr lang="zh-CN" altLang="en-US" smtClean="0"/>
-              <a:t>‹#›</a:t>
             </a:fld>
             <a:endParaRPr lang="zh-CN" altLang="en-US"/>
           </a:p>
@@ -2301,6 +2311,7 @@
               <a:rPr lang="zh-CN" altLang="en-US" smtClean="0"/>
               <a:t>单击此处编辑母版文本样式</a:t>
             </a:r>
+            <a:endParaRPr lang="zh-CN" altLang="en-US" smtClean="0"/>
           </a:p>
           <a:p>
             <a:pPr lvl="1"/>
@@ -2308,6 +2319,7 @@
               <a:rPr lang="zh-CN" altLang="en-US" smtClean="0"/>
               <a:t>第二级</a:t>
             </a:r>
+            <a:endParaRPr lang="zh-CN" altLang="en-US" smtClean="0"/>
           </a:p>
           <a:p>
             <a:pPr lvl="2"/>
@@ -2315,6 +2327,7 @@
               <a:rPr lang="zh-CN" altLang="en-US" smtClean="0"/>
               <a:t>第三级</a:t>
             </a:r>
+            <a:endParaRPr lang="zh-CN" altLang="en-US" smtClean="0"/>
           </a:p>
           <a:p>
             <a:pPr lvl="3"/>
@@ -2322,6 +2335,7 @@
               <a:rPr lang="zh-CN" altLang="en-US" smtClean="0"/>
               <a:t>第四级</a:t>
             </a:r>
+            <a:endParaRPr lang="zh-CN" altLang="en-US" smtClean="0"/>
           </a:p>
           <a:p>
             <a:pPr lvl="4"/>
@@ -2395,6 +2409,7 @@
               <a:rPr lang="zh-CN" altLang="en-US" smtClean="0"/>
               <a:t>单击此处编辑母版文本样式</a:t>
             </a:r>
+            <a:endParaRPr lang="zh-CN" altLang="en-US" smtClean="0"/>
           </a:p>
         </p:txBody>
       </p:sp>
@@ -2415,7 +2430,6 @@
           <a:p>
             <a:fld id="{D997B5FA-0921-464F-AAE1-844C04324D75}" type="datetimeFigureOut">
               <a:rPr lang="zh-CN" altLang="en-US" smtClean="0"/>
-              <a:t>2017/11/6</a:t>
             </a:fld>
             <a:endParaRPr lang="zh-CN" altLang="en-US"/>
           </a:p>
@@ -2457,7 +2471,6 @@
           <a:p>
             <a:fld id="{565CE74E-AB26-4998-AD42-012C4C1AD076}" type="slidenum">
               <a:rPr lang="zh-CN" altLang="en-US" smtClean="0"/>
-              <a:t>‹#›</a:t>
             </a:fld>
             <a:endParaRPr lang="zh-CN" altLang="en-US"/>
           </a:p>
@@ -2643,6 +2656,7 @@
               <a:rPr lang="zh-CN" altLang="en-US" smtClean="0"/>
               <a:t>单击此处编辑母版文本样式</a:t>
             </a:r>
+            <a:endParaRPr lang="zh-CN" altLang="en-US" smtClean="0"/>
           </a:p>
         </p:txBody>
       </p:sp>
@@ -2663,7 +2677,6 @@
           <a:p>
             <a:fld id="{D997B5FA-0921-464F-AAE1-844C04324D75}" type="datetimeFigureOut">
               <a:rPr lang="zh-CN" altLang="en-US" smtClean="0"/>
-              <a:t>2017/11/6</a:t>
             </a:fld>
             <a:endParaRPr lang="zh-CN" altLang="en-US"/>
           </a:p>
@@ -2705,7 +2718,6 @@
           <a:p>
             <a:fld id="{565CE74E-AB26-4998-AD42-012C4C1AD076}" type="slidenum">
               <a:rPr lang="zh-CN" altLang="en-US" smtClean="0"/>
-              <a:t>‹#›</a:t>
             </a:fld>
             <a:endParaRPr lang="zh-CN" altLang="en-US"/>
           </a:p>
@@ -2804,6 +2816,7 @@
               <a:rPr lang="zh-CN" altLang="en-US" smtClean="0"/>
               <a:t>单击此处编辑母版文本样式</a:t>
             </a:r>
+            <a:endParaRPr lang="zh-CN" altLang="en-US" smtClean="0"/>
           </a:p>
           <a:p>
             <a:pPr lvl="1"/>
@@ -2811,6 +2824,7 @@
               <a:rPr lang="zh-CN" altLang="en-US" smtClean="0"/>
               <a:t>第二级</a:t>
             </a:r>
+            <a:endParaRPr lang="zh-CN" altLang="en-US" smtClean="0"/>
           </a:p>
           <a:p>
             <a:pPr lvl="2"/>
@@ -2818,6 +2832,7 @@
               <a:rPr lang="zh-CN" altLang="en-US" smtClean="0"/>
               <a:t>第三级</a:t>
             </a:r>
+            <a:endParaRPr lang="zh-CN" altLang="en-US" smtClean="0"/>
           </a:p>
           <a:p>
             <a:pPr lvl="3"/>
@@ -2825,6 +2840,7 @@
               <a:rPr lang="zh-CN" altLang="en-US" smtClean="0"/>
               <a:t>第四级</a:t>
             </a:r>
+            <a:endParaRPr lang="zh-CN" altLang="en-US" smtClean="0"/>
           </a:p>
           <a:p>
             <a:pPr lvl="4"/>
@@ -2871,7 +2887,6 @@
           <a:p>
             <a:fld id="{D997B5FA-0921-464F-AAE1-844C04324D75}" type="datetimeFigureOut">
               <a:rPr lang="zh-CN" altLang="en-US" smtClean="0"/>
-              <a:t>2017/11/6</a:t>
             </a:fld>
             <a:endParaRPr lang="zh-CN" altLang="en-US"/>
           </a:p>
@@ -2949,7 +2964,6 @@
           <a:p>
             <a:fld id="{565CE74E-AB26-4998-AD42-012C4C1AD076}" type="slidenum">
               <a:rPr lang="zh-CN" altLang="en-US" smtClean="0"/>
-              <a:t>‹#›</a:t>
             </a:fld>
             <a:endParaRPr lang="zh-CN" altLang="en-US"/>
           </a:p>
@@ -3260,7 +3274,7 @@
     <p:bg>
       <p:bgPr>
         <a:blipFill rotWithShape="1">
-          <a:blip r:embed="rId2"/>
+          <a:blip r:embed="rId1"/>
           <a:stretch>
             <a:fillRect/>
           </a:stretch>
@@ -3360,6 +3374,7 @@
               <a:rPr lang="en-US" altLang="zh-CN" sz="2400" dirty="0" smtClean="0"/>
               <a:t>         8760</a:t>
             </a:r>
+            <a:endParaRPr lang="en-US" altLang="zh-CN" sz="2400" dirty="0" smtClean="0"/>
           </a:p>
           <a:p>
             <a:r>
@@ -3379,6 +3394,13 @@
   <p:clrMapOvr>
     <a:masterClrMapping/>
   </p:clrMapOvr>
+  <p:timing>
+    <p:tnLst>
+      <p:par>
+        <p:cTn id="1" dur="indefinite" restart="never" nodeType="tmRoot"/>
+      </p:par>
+    </p:tnLst>
+  </p:timing>
 </p:sld>
 </file>
 
@@ -3388,7 +3410,949 @@
     <p:bg>
       <p:bgPr>
         <a:blipFill rotWithShape="1">
+          <a:blip r:embed="rId1"/>
+          <a:stretch>
+            <a:fillRect/>
+          </a:stretch>
+        </a:blipFill>
+        <a:effectLst/>
+      </p:bgPr>
+    </p:bg>
+    <p:spTree>
+      <p:nvGrpSpPr>
+        <p:cNvPr id="1" name=""/>
+        <p:cNvGrpSpPr/>
+        <p:nvPr/>
+      </p:nvGrpSpPr>
+      <p:grpSpPr>
+        <a:xfrm>
+          <a:off x="0" y="0"/>
+          <a:ext cx="0" cy="0"/>
+          <a:chOff x="0" y="0"/>
+          <a:chExt cx="0" cy="0"/>
+        </a:xfrm>
+      </p:grpSpPr>
+      <p:sp>
+        <p:nvSpPr>
+          <p:cNvPr id="2" name="文本框 1"/>
+          <p:cNvSpPr txBox="1"/>
+          <p:nvPr/>
+        </p:nvSpPr>
+        <p:spPr>
+          <a:xfrm>
+            <a:off x="252248" y="809297"/>
+            <a:ext cx="1861407" cy="369332"/>
+          </a:xfrm>
+          <a:prstGeom prst="rect">
+            <a:avLst/>
+          </a:prstGeom>
+          <a:noFill/>
+        </p:spPr>
+        <p:txBody>
+          <a:bodyPr wrap="none" rtlCol="0">
+            <a:spAutoFit/>
+          </a:bodyPr>
+          <a:lstStyle/>
+          <a:p>
+            <a:r>
+              <a:rPr lang="en-US" altLang="zh-CN" dirty="0" smtClean="0"/>
+              <a:t>4.4</a:t>
+            </a:r>
+            <a:r>
+              <a:rPr lang="zh-CN" altLang="en-US" dirty="0" smtClean="0"/>
+              <a:t>函数及作用域</a:t>
+            </a:r>
+            <a:endParaRPr lang="zh-CN" altLang="en-US" dirty="0"/>
+          </a:p>
+        </p:txBody>
+      </p:sp>
+      <p:sp>
+        <p:nvSpPr>
+          <p:cNvPr id="3" name="文本框 2"/>
+          <p:cNvSpPr txBox="1"/>
+          <p:nvPr/>
+        </p:nvSpPr>
+        <p:spPr>
+          <a:xfrm>
+            <a:off x="735724" y="1178629"/>
+            <a:ext cx="4246179" cy="923330"/>
+          </a:xfrm>
+          <a:prstGeom prst="rect">
+            <a:avLst/>
+          </a:prstGeom>
+          <a:noFill/>
+        </p:spPr>
+        <p:txBody>
+          <a:bodyPr wrap="square" rtlCol="0">
+            <a:spAutoFit/>
+          </a:bodyPr>
+          <a:lstStyle/>
+          <a:p>
+            <a:r>
+              <a:rPr lang="zh-CN" altLang="en-US" dirty="0" smtClean="0"/>
+              <a:t>❶ 函数的声明方式</a:t>
+            </a:r>
+            <a:endParaRPr lang="en-US" altLang="zh-CN" dirty="0" smtClean="0"/>
+          </a:p>
+          <a:p>
+            <a:r>
+              <a:rPr lang="en-US" altLang="zh-CN" dirty="0" smtClean="0"/>
+              <a:t>      a.</a:t>
+            </a:r>
+            <a:r>
+              <a:rPr lang="zh-CN" altLang="en-US" dirty="0" smtClean="0"/>
+              <a:t>函数声明</a:t>
+            </a:r>
+            <a:endParaRPr lang="en-US" altLang="zh-CN" dirty="0" smtClean="0"/>
+          </a:p>
+          <a:p>
+            <a:r>
+              <a:rPr lang="en-US" altLang="zh-CN" dirty="0"/>
+              <a:t> </a:t>
+            </a:r>
+            <a:r>
+              <a:rPr lang="en-US" altLang="zh-CN" dirty="0" smtClean="0"/>
+              <a:t>   </a:t>
+            </a:r>
+            <a:endParaRPr lang="zh-CN" altLang="en-US" dirty="0"/>
+          </a:p>
+        </p:txBody>
+      </p:sp>
+      <p:pic>
+        <p:nvPicPr>
+          <p:cNvPr id="5" name="图片 4"/>
+          <p:cNvPicPr>
+            <a:picLocks noChangeAspect="1"/>
+          </p:cNvPicPr>
+          <p:nvPr/>
+        </p:nvPicPr>
+        <p:blipFill>
           <a:blip r:embed="rId2"/>
+          <a:stretch>
+            <a:fillRect/>
+          </a:stretch>
+        </p:blipFill>
+        <p:spPr>
+          <a:xfrm>
+            <a:off x="1182951" y="1781503"/>
+            <a:ext cx="6515100" cy="457200"/>
+          </a:xfrm>
+          <a:prstGeom prst="rect">
+            <a:avLst/>
+          </a:prstGeom>
+        </p:spPr>
+      </p:pic>
+      <p:sp>
+        <p:nvSpPr>
+          <p:cNvPr id="6" name="文本框 5"/>
+          <p:cNvSpPr txBox="1"/>
+          <p:nvPr/>
+        </p:nvSpPr>
+        <p:spPr>
+          <a:xfrm>
+            <a:off x="1098868" y="2286625"/>
+            <a:ext cx="1518364" cy="369332"/>
+          </a:xfrm>
+          <a:prstGeom prst="rect">
+            <a:avLst/>
+          </a:prstGeom>
+          <a:noFill/>
+        </p:spPr>
+        <p:txBody>
+          <a:bodyPr wrap="none" rtlCol="0">
+            <a:spAutoFit/>
+          </a:bodyPr>
+          <a:lstStyle/>
+          <a:p>
+            <a:r>
+              <a:rPr lang="en-US" altLang="zh-CN" dirty="0" smtClean="0"/>
+              <a:t>b.</a:t>
+            </a:r>
+            <a:r>
+              <a:rPr lang="zh-CN" altLang="en-US" dirty="0" smtClean="0"/>
+              <a:t>函数表达式</a:t>
+            </a:r>
+            <a:endParaRPr lang="zh-CN" altLang="en-US" dirty="0"/>
+          </a:p>
+        </p:txBody>
+      </p:sp>
+      <p:pic>
+        <p:nvPicPr>
+          <p:cNvPr id="7" name="图片 6"/>
+          <p:cNvPicPr>
+            <a:picLocks noChangeAspect="1"/>
+          </p:cNvPicPr>
+          <p:nvPr/>
+        </p:nvPicPr>
+        <p:blipFill>
+          <a:blip r:embed="rId3"/>
+          <a:stretch>
+            <a:fillRect/>
+          </a:stretch>
+        </p:blipFill>
+        <p:spPr>
+          <a:xfrm>
+            <a:off x="1212720" y="2655957"/>
+            <a:ext cx="6485331" cy="476250"/>
+          </a:xfrm>
+          <a:prstGeom prst="rect">
+            <a:avLst/>
+          </a:prstGeom>
+        </p:spPr>
+      </p:pic>
+      <p:sp>
+        <p:nvSpPr>
+          <p:cNvPr id="8" name="文本框 7"/>
+          <p:cNvSpPr txBox="1"/>
+          <p:nvPr/>
+        </p:nvSpPr>
+        <p:spPr>
+          <a:xfrm>
+            <a:off x="861847" y="3316873"/>
+            <a:ext cx="2333297" cy="369332"/>
+          </a:xfrm>
+          <a:prstGeom prst="rect">
+            <a:avLst/>
+          </a:prstGeom>
+          <a:noFill/>
+        </p:spPr>
+        <p:txBody>
+          <a:bodyPr wrap="square" rtlCol="0">
+            <a:spAutoFit/>
+          </a:bodyPr>
+          <a:lstStyle/>
+          <a:p>
+            <a:r>
+              <a:rPr lang="zh-CN" altLang="en-US" dirty="0" smtClean="0"/>
+              <a:t>❷函数的一些特性</a:t>
+            </a:r>
+            <a:endParaRPr lang="zh-CN" altLang="en-US" dirty="0"/>
+          </a:p>
+        </p:txBody>
+      </p:sp>
+      <p:sp>
+        <p:nvSpPr>
+          <p:cNvPr id="9" name="文本框 8"/>
+          <p:cNvSpPr txBox="1"/>
+          <p:nvPr/>
+        </p:nvSpPr>
+        <p:spPr>
+          <a:xfrm>
+            <a:off x="1014784" y="3686205"/>
+            <a:ext cx="8223809" cy="1477328"/>
+          </a:xfrm>
+          <a:prstGeom prst="rect">
+            <a:avLst/>
+          </a:prstGeom>
+          <a:noFill/>
+        </p:spPr>
+        <p:txBody>
+          <a:bodyPr wrap="square" rtlCol="0">
+            <a:spAutoFit/>
+          </a:bodyPr>
+          <a:lstStyle/>
+          <a:p>
+            <a:r>
+              <a:rPr lang="en-US" altLang="zh-CN" dirty="0" smtClean="0"/>
+              <a:t>a.</a:t>
+            </a:r>
+            <a:r>
+              <a:rPr lang="zh-CN" altLang="en-US" dirty="0" smtClean="0"/>
+              <a:t>函数的声明参数个数，可以通过</a:t>
+            </a:r>
+            <a:r>
+              <a:rPr lang="en-US" altLang="zh-CN" dirty="0" smtClean="0"/>
+              <a:t>FunctionName.length</a:t>
+            </a:r>
+            <a:r>
+              <a:rPr lang="zh-CN" altLang="en-US" dirty="0" smtClean="0"/>
+              <a:t>得到</a:t>
+            </a:r>
+            <a:endParaRPr lang="en-US" altLang="zh-CN" dirty="0" smtClean="0"/>
+          </a:p>
+          <a:p>
+            <a:r>
+              <a:rPr lang="en-US" altLang="zh-CN" dirty="0" smtClean="0"/>
+              <a:t>b.</a:t>
+            </a:r>
+            <a:r>
+              <a:rPr lang="zh-CN" altLang="en-US" dirty="0" smtClean="0"/>
+              <a:t>每个函数内部都有一个隐含的</a:t>
+            </a:r>
+            <a:r>
+              <a:rPr lang="en-US" altLang="zh-CN" dirty="0" smtClean="0"/>
+              <a:t>arguments</a:t>
+            </a:r>
+            <a:r>
+              <a:rPr lang="zh-CN" altLang="en-US" dirty="0" smtClean="0"/>
+              <a:t>对象，表示函数调用的实际参数情况</a:t>
+            </a:r>
+            <a:endParaRPr lang="en-US" altLang="zh-CN" dirty="0" smtClean="0"/>
+          </a:p>
+          <a:p>
+            <a:r>
+              <a:rPr lang="en-US" altLang="zh-CN" dirty="0" smtClean="0"/>
+              <a:t>c.</a:t>
+            </a:r>
+            <a:r>
+              <a:rPr lang="en-US" altLang="zh-CN" dirty="0"/>
+              <a:t> a</a:t>
+            </a:r>
+            <a:r>
+              <a:rPr lang="en-US" altLang="zh-CN" dirty="0" smtClean="0"/>
+              <a:t>rguments</a:t>
+            </a:r>
+            <a:r>
+              <a:rPr lang="zh-CN" altLang="en-US" dirty="0" smtClean="0"/>
+              <a:t>的可用属性有</a:t>
+            </a:r>
+            <a:r>
+              <a:rPr lang="en-US" altLang="zh-CN" dirty="0" smtClean="0">
+                <a:hlinkClick r:id="rId4"/>
+              </a:rPr>
+              <a:t>arguments.length</a:t>
+            </a:r>
+            <a:r>
+              <a:rPr lang="en-US" altLang="zh-CN" dirty="0" smtClean="0"/>
+              <a:t>,</a:t>
+            </a:r>
+            <a:r>
+              <a:rPr lang="en-US" altLang="zh-CN" dirty="0">
+                <a:hlinkClick r:id="rId5"/>
+              </a:rPr>
+              <a:t> </a:t>
+            </a:r>
+            <a:r>
+              <a:rPr lang="en-US" altLang="zh-CN" dirty="0" smtClean="0">
+                <a:hlinkClick r:id="rId5"/>
+              </a:rPr>
+              <a:t>arguments.callee</a:t>
+            </a:r>
+            <a:endParaRPr lang="en-US" altLang="zh-CN" dirty="0" smtClean="0"/>
+          </a:p>
+          <a:p>
+            <a:r>
+              <a:rPr lang="en-US" altLang="zh-CN" dirty="0" smtClean="0"/>
+              <a:t>d.</a:t>
+            </a:r>
+            <a:r>
+              <a:rPr lang="zh-CN" altLang="en-US" dirty="0" smtClean="0"/>
+              <a:t>函数可作为返回值</a:t>
+            </a:r>
+            <a:endParaRPr lang="en-US" altLang="zh-CN" dirty="0" smtClean="0"/>
+          </a:p>
+          <a:p>
+            <a:r>
+              <a:rPr lang="en-US" altLang="zh-CN" dirty="0" smtClean="0"/>
+              <a:t>e.</a:t>
+            </a:r>
+            <a:r>
+              <a:rPr lang="zh-CN" altLang="en-US" dirty="0" smtClean="0"/>
+              <a:t>函数声明提升</a:t>
+            </a:r>
+            <a:endParaRPr lang="zh-CN" altLang="en-US" dirty="0"/>
+          </a:p>
+        </p:txBody>
+      </p:sp>
+      <p:sp>
+        <p:nvSpPr>
+          <p:cNvPr id="10" name="文本框 9"/>
+          <p:cNvSpPr txBox="1"/>
+          <p:nvPr/>
+        </p:nvSpPr>
+        <p:spPr>
+          <a:xfrm>
+            <a:off x="891119" y="5348199"/>
+            <a:ext cx="6897047" cy="923330"/>
+          </a:xfrm>
+          <a:prstGeom prst="rect">
+            <a:avLst/>
+          </a:prstGeom>
+          <a:noFill/>
+        </p:spPr>
+        <p:txBody>
+          <a:bodyPr wrap="square" rtlCol="0">
+            <a:spAutoFit/>
+          </a:bodyPr>
+          <a:lstStyle/>
+          <a:p>
+            <a:r>
+              <a:rPr lang="zh-CN" altLang="en-US" dirty="0" smtClean="0"/>
+              <a:t>❸作用域问题</a:t>
+            </a:r>
+            <a:endParaRPr lang="en-US" altLang="zh-CN" dirty="0" smtClean="0"/>
+          </a:p>
+          <a:p>
+            <a:r>
+              <a:rPr lang="en-US" altLang="zh-CN" dirty="0"/>
+              <a:t> </a:t>
+            </a:r>
+            <a:r>
+              <a:rPr lang="en-US" altLang="zh-CN" dirty="0" smtClean="0"/>
+              <a:t>   a.Javscript</a:t>
+            </a:r>
+            <a:r>
+              <a:rPr lang="zh-CN" altLang="en-US" dirty="0" smtClean="0"/>
+              <a:t>中分为全局作用域和局部作用域，没有块级作用域</a:t>
+            </a:r>
+            <a:endParaRPr lang="en-US" altLang="zh-CN" dirty="0" smtClean="0"/>
+          </a:p>
+          <a:p>
+            <a:endParaRPr lang="zh-CN" altLang="en-US" dirty="0"/>
+          </a:p>
+        </p:txBody>
+      </p:sp>
+    </p:spTree>
+  </p:cSld>
+  <p:clrMapOvr>
+    <a:masterClrMapping/>
+  </p:clrMapOvr>
+  <p:timing>
+    <p:tnLst>
+      <p:par>
+        <p:cTn id="1" dur="indefinite" restart="never" nodeType="tmRoot"/>
+      </p:par>
+    </p:tnLst>
+  </p:timing>
+</p:sld>
+</file>
+
+<file path=ppt/slides/slide11.xml><?xml version="1.0" encoding="utf-8"?>
+<p:sld xmlns:a="http://schemas.openxmlformats.org/drawingml/2006/main" xmlns:r="http://schemas.openxmlformats.org/officeDocument/2006/relationships" xmlns:p="http://schemas.openxmlformats.org/presentationml/2006/main">
+  <p:cSld>
+    <p:bg>
+      <p:bgPr>
+        <a:blipFill rotWithShape="1">
+          <a:blip r:embed="rId1"/>
+          <a:stretch>
+            <a:fillRect/>
+          </a:stretch>
+        </a:blipFill>
+        <a:effectLst/>
+      </p:bgPr>
+    </p:bg>
+    <p:spTree>
+      <p:nvGrpSpPr>
+        <p:cNvPr id="1" name=""/>
+        <p:cNvGrpSpPr/>
+        <p:nvPr/>
+      </p:nvGrpSpPr>
+      <p:grpSpPr>
+        <a:xfrm>
+          <a:off x="0" y="0"/>
+          <a:ext cx="0" cy="0"/>
+          <a:chOff x="0" y="0"/>
+          <a:chExt cx="0" cy="0"/>
+        </a:xfrm>
+      </p:grpSpPr>
+      <p:sp>
+        <p:nvSpPr>
+          <p:cNvPr id="3" name="文本框 2"/>
+          <p:cNvSpPr txBox="1"/>
+          <p:nvPr/>
+        </p:nvSpPr>
+        <p:spPr>
+          <a:xfrm>
+            <a:off x="273269" y="756745"/>
+            <a:ext cx="3457903" cy="369332"/>
+          </a:xfrm>
+          <a:prstGeom prst="rect">
+            <a:avLst/>
+          </a:prstGeom>
+          <a:noFill/>
+        </p:spPr>
+        <p:txBody>
+          <a:bodyPr wrap="square" rtlCol="0">
+            <a:spAutoFit/>
+          </a:bodyPr>
+          <a:lstStyle/>
+          <a:p>
+            <a:r>
+              <a:rPr lang="en-US" altLang="zh-CN" dirty="0" smtClean="0"/>
+              <a:t>4.5 </a:t>
+            </a:r>
+            <a:r>
+              <a:rPr lang="zh-CN" altLang="en-US" dirty="0" smtClean="0"/>
+              <a:t>宿主对象和内置对象</a:t>
+            </a:r>
+            <a:endParaRPr lang="zh-CN" altLang="en-US" dirty="0"/>
+          </a:p>
+        </p:txBody>
+      </p:sp>
+      <p:sp>
+        <p:nvSpPr>
+          <p:cNvPr id="2" name="文本框 1"/>
+          <p:cNvSpPr txBox="1"/>
+          <p:nvPr/>
+        </p:nvSpPr>
+        <p:spPr>
+          <a:xfrm>
+            <a:off x="704850" y="1126490"/>
+            <a:ext cx="10563860" cy="645160"/>
+          </a:xfrm>
+          <a:prstGeom prst="rect">
+            <a:avLst/>
+          </a:prstGeom>
+          <a:noFill/>
+        </p:spPr>
+        <p:txBody>
+          <a:bodyPr wrap="square" rtlCol="0">
+            <a:spAutoFit/>
+          </a:bodyPr>
+          <a:p>
+            <a:r>
+              <a:rPr lang="en-US" altLang="zh-CN">
+                <a:latin typeface="Calibri" panose="020F0502020204030204" charset="0"/>
+              </a:rPr>
+              <a:t>① </a:t>
+            </a:r>
+            <a:r>
+              <a:rPr lang="zh-CN" altLang="en-US" dirty="0" smtClean="0">
+                <a:sym typeface="+mn-ea"/>
+              </a:rPr>
+              <a:t>内置对象</a:t>
+            </a:r>
+            <a:r>
+              <a:rPr lang="en-US" altLang="zh-CN"/>
+              <a:t>由ECMAScript提供实现的、独立于宿主环境的所有对象，在ECMAScript程序开始执行时出现;                    </a:t>
+            </a:r>
+            <a:r>
+              <a:rPr lang="zh-CN" altLang="zh-CN"/>
+              <a:t>有</a:t>
+            </a:r>
+            <a:r>
+              <a:rPr lang="en-US" altLang="zh-CN"/>
+              <a:t>window</a:t>
+            </a:r>
+            <a:r>
+              <a:rPr lang="zh-CN" altLang="en-US"/>
+              <a:t>对象和</a:t>
+            </a:r>
+            <a:r>
+              <a:rPr lang="en-US" altLang="zh-CN"/>
+              <a:t>Math</a:t>
+            </a:r>
+            <a:r>
+              <a:rPr lang="zh-CN" altLang="en-US"/>
+              <a:t>对象</a:t>
+            </a:r>
+            <a:endParaRPr lang="zh-CN" altLang="en-US"/>
+          </a:p>
+        </p:txBody>
+      </p:sp>
+      <p:sp>
+        <p:nvSpPr>
+          <p:cNvPr id="4" name="文本框 3"/>
+          <p:cNvSpPr txBox="1"/>
+          <p:nvPr/>
+        </p:nvSpPr>
+        <p:spPr>
+          <a:xfrm>
+            <a:off x="777875" y="1918970"/>
+            <a:ext cx="10417175" cy="645160"/>
+          </a:xfrm>
+          <a:prstGeom prst="rect">
+            <a:avLst/>
+          </a:prstGeom>
+          <a:noFill/>
+        </p:spPr>
+        <p:txBody>
+          <a:bodyPr wrap="square" rtlCol="0">
+            <a:spAutoFit/>
+          </a:bodyPr>
+          <a:p>
+            <a:r>
+              <a:rPr lang="zh-CN" altLang="en-US">
+                <a:latin typeface="Calibri" panose="020F0502020204030204" charset="0"/>
+              </a:rPr>
+              <a:t>② </a:t>
+            </a:r>
+            <a:r>
+              <a:rPr lang="zh-CN" altLang="en-US"/>
+              <a:t>宿主对象由ECMAScript实现的宿主环境提供的对象。即所有的BOM对象和DOM对象都是宿主对象。</a:t>
+            </a:r>
+            <a:endParaRPr lang="en-US" altLang="zh-CN"/>
+          </a:p>
+          <a:p>
+            <a:r>
+              <a:rPr lang="zh-CN" altLang="en-US"/>
+              <a:t>       </a:t>
+            </a:r>
+            <a:endParaRPr lang="zh-CN" altLang="en-US"/>
+          </a:p>
+        </p:txBody>
+      </p:sp>
+      <p:pic>
+        <p:nvPicPr>
+          <p:cNvPr id="5" name="图片 4"/>
+          <p:cNvPicPr>
+            <a:picLocks noChangeAspect="1"/>
+          </p:cNvPicPr>
+          <p:nvPr/>
+        </p:nvPicPr>
+        <p:blipFill>
+          <a:blip r:embed="rId2"/>
+          <a:stretch>
+            <a:fillRect/>
+          </a:stretch>
+        </p:blipFill>
+        <p:spPr>
+          <a:xfrm>
+            <a:off x="2668270" y="2294890"/>
+            <a:ext cx="6219190" cy="3935730"/>
+          </a:xfrm>
+          <a:prstGeom prst="rect">
+            <a:avLst/>
+          </a:prstGeom>
+        </p:spPr>
+      </p:pic>
+    </p:spTree>
+  </p:cSld>
+  <p:clrMapOvr>
+    <a:masterClrMapping/>
+  </p:clrMapOvr>
+  <p:timing>
+    <p:tnLst>
+      <p:par>
+        <p:cTn id="1" dur="indefinite" restart="never" nodeType="tmRoot"/>
+      </p:par>
+    </p:tnLst>
+  </p:timing>
+</p:sld>
+</file>
+
+<file path=ppt/slides/slide12.xml><?xml version="1.0" encoding="utf-8"?>
+<p:sld xmlns:a="http://schemas.openxmlformats.org/drawingml/2006/main" xmlns:r="http://schemas.openxmlformats.org/officeDocument/2006/relationships" xmlns:p="http://schemas.openxmlformats.org/presentationml/2006/main">
+  <p:cSld>
+    <p:bg>
+      <p:bgPr>
+        <a:blipFill rotWithShape="1">
+          <a:blip r:embed="rId1"/>
+          <a:stretch>
+            <a:fillRect/>
+          </a:stretch>
+        </a:blipFill>
+        <a:effectLst/>
+      </p:bgPr>
+    </p:bg>
+    <p:spTree>
+      <p:nvGrpSpPr>
+        <p:cNvPr id="1" name=""/>
+        <p:cNvGrpSpPr/>
+        <p:nvPr/>
+      </p:nvGrpSpPr>
+      <p:grpSpPr>
+        <a:xfrm>
+          <a:off x="0" y="0"/>
+          <a:ext cx="0" cy="0"/>
+          <a:chOff x="0" y="0"/>
+          <a:chExt cx="0" cy="0"/>
+        </a:xfrm>
+      </p:grpSpPr>
+      <p:sp>
+        <p:nvSpPr>
+          <p:cNvPr id="2" name="文本框 1"/>
+          <p:cNvSpPr txBox="1"/>
+          <p:nvPr/>
+        </p:nvSpPr>
+        <p:spPr>
+          <a:xfrm>
+            <a:off x="268605" y="728980"/>
+            <a:ext cx="2570480" cy="368300"/>
+          </a:xfrm>
+          <a:prstGeom prst="rect">
+            <a:avLst/>
+          </a:prstGeom>
+          <a:noFill/>
+        </p:spPr>
+        <p:txBody>
+          <a:bodyPr wrap="square" rtlCol="0">
+            <a:spAutoFit/>
+          </a:bodyPr>
+          <a:p>
+            <a:r>
+              <a:rPr lang="en-US" altLang="zh-CN"/>
+              <a:t>4.6</a:t>
+            </a:r>
+            <a:r>
+              <a:rPr lang="zh-CN" altLang="zh-CN"/>
+              <a:t> 常用的全局函数</a:t>
+            </a:r>
+            <a:endParaRPr lang="zh-CN" altLang="zh-CN"/>
+          </a:p>
+        </p:txBody>
+      </p:sp>
+      <p:pic>
+        <p:nvPicPr>
+          <p:cNvPr id="3" name="图片 2"/>
+          <p:cNvPicPr>
+            <a:picLocks noChangeAspect="1"/>
+          </p:cNvPicPr>
+          <p:nvPr/>
+        </p:nvPicPr>
+        <p:blipFill>
+          <a:blip r:embed="rId2"/>
+          <a:stretch>
+            <a:fillRect/>
+          </a:stretch>
+        </p:blipFill>
+        <p:spPr>
+          <a:xfrm>
+            <a:off x="2325370" y="728980"/>
+            <a:ext cx="9805035" cy="5962015"/>
+          </a:xfrm>
+          <a:prstGeom prst="rect">
+            <a:avLst/>
+          </a:prstGeom>
+        </p:spPr>
+      </p:pic>
+    </p:spTree>
+  </p:cSld>
+  <p:clrMapOvr>
+    <a:masterClrMapping/>
+  </p:clrMapOvr>
+</p:sld>
+</file>
+
+<file path=ppt/slides/slide13.xml><?xml version="1.0" encoding="utf-8"?>
+<p:sld xmlns:a="http://schemas.openxmlformats.org/drawingml/2006/main" xmlns:r="http://schemas.openxmlformats.org/officeDocument/2006/relationships" xmlns:p="http://schemas.openxmlformats.org/presentationml/2006/main">
+  <p:cSld>
+    <p:bg>
+      <p:bgPr>
+        <a:blipFill rotWithShape="1">
+          <a:blip r:embed="rId1"/>
+          <a:stretch>
+            <a:fillRect/>
+          </a:stretch>
+        </a:blipFill>
+        <a:effectLst/>
+      </p:bgPr>
+    </p:bg>
+    <p:spTree>
+      <p:nvGrpSpPr>
+        <p:cNvPr id="1" name=""/>
+        <p:cNvGrpSpPr/>
+        <p:nvPr/>
+      </p:nvGrpSpPr>
+      <p:grpSpPr>
+        <a:xfrm>
+          <a:off x="0" y="0"/>
+          <a:ext cx="0" cy="0"/>
+          <a:chOff x="0" y="0"/>
+          <a:chExt cx="0" cy="0"/>
+        </a:xfrm>
+      </p:grpSpPr>
+      <p:sp>
+        <p:nvSpPr>
+          <p:cNvPr id="2" name="文本框 1"/>
+          <p:cNvSpPr txBox="1"/>
+          <p:nvPr/>
+        </p:nvSpPr>
+        <p:spPr>
+          <a:xfrm>
+            <a:off x="305435" y="777875"/>
+            <a:ext cx="3169920" cy="368300"/>
+          </a:xfrm>
+          <a:prstGeom prst="rect">
+            <a:avLst/>
+          </a:prstGeom>
+          <a:noFill/>
+        </p:spPr>
+        <p:txBody>
+          <a:bodyPr wrap="square" rtlCol="0">
+            <a:spAutoFit/>
+          </a:bodyPr>
+          <a:p>
+            <a:r>
+              <a:rPr lang="en-US" altLang="zh-CN"/>
+              <a:t>4.7 </a:t>
+            </a:r>
+            <a:r>
+              <a:rPr lang="zh-CN" altLang="zh-CN"/>
+              <a:t>面向对象编程</a:t>
+            </a:r>
+            <a:endParaRPr lang="zh-CN" altLang="zh-CN"/>
+          </a:p>
+        </p:txBody>
+      </p:sp>
+      <p:sp>
+        <p:nvSpPr>
+          <p:cNvPr id="3" name="文本框 2"/>
+          <p:cNvSpPr txBox="1"/>
+          <p:nvPr/>
+        </p:nvSpPr>
+        <p:spPr>
+          <a:xfrm>
+            <a:off x="741680" y="1243330"/>
+            <a:ext cx="10709275" cy="922020"/>
+          </a:xfrm>
+          <a:prstGeom prst="rect">
+            <a:avLst/>
+          </a:prstGeom>
+          <a:noFill/>
+        </p:spPr>
+        <p:txBody>
+          <a:bodyPr wrap="square" rtlCol="0">
+            <a:spAutoFit/>
+          </a:bodyPr>
+          <a:p>
+            <a:r>
+              <a:rPr lang="zh-CN" altLang="en-US"/>
+              <a:t>    prototype是javascript实现与管理继承的一种机制，也是面向对象的设计思想.构造函数的原型存储着引用对象的一个指针，该指针指向与一个原型对象，对象内部存储着函数的原始属性和方法；我们可以借助prototype属性，可以访问原型内部的属性和方法</a:t>
+            </a:r>
+            <a:endParaRPr lang="zh-CN" altLang="en-US"/>
+          </a:p>
+        </p:txBody>
+      </p:sp>
+    </p:spTree>
+  </p:cSld>
+  <p:clrMapOvr>
+    <a:masterClrMapping/>
+  </p:clrMapOvr>
+</p:sld>
+</file>
+
+<file path=ppt/slides/slide14.xml><?xml version="1.0" encoding="utf-8"?>
+<p:sld xmlns:a="http://schemas.openxmlformats.org/drawingml/2006/main" xmlns:r="http://schemas.openxmlformats.org/officeDocument/2006/relationships" xmlns:p="http://schemas.openxmlformats.org/presentationml/2006/main">
+  <p:cSld>
+    <p:bg>
+      <p:bgPr>
+        <a:blipFill rotWithShape="1">
+          <a:blip r:embed="rId1"/>
+          <a:stretch>
+            <a:fillRect/>
+          </a:stretch>
+        </a:blipFill>
+        <a:effectLst/>
+      </p:bgPr>
+    </p:bg>
+    <p:spTree>
+      <p:nvGrpSpPr>
+        <p:cNvPr id="1" name=""/>
+        <p:cNvGrpSpPr/>
+        <p:nvPr/>
+      </p:nvGrpSpPr>
+      <p:grpSpPr>
+        <a:xfrm>
+          <a:off x="0" y="0"/>
+          <a:ext cx="0" cy="0"/>
+          <a:chOff x="0" y="0"/>
+          <a:chExt cx="0" cy="0"/>
+        </a:xfrm>
+      </p:grpSpPr>
+      <p:sp>
+        <p:nvSpPr>
+          <p:cNvPr id="2" name="文本框 1"/>
+          <p:cNvSpPr txBox="1"/>
+          <p:nvPr/>
+        </p:nvSpPr>
+        <p:spPr>
+          <a:xfrm>
+            <a:off x="268605" y="790575"/>
+            <a:ext cx="2089785" cy="368300"/>
+          </a:xfrm>
+          <a:prstGeom prst="rect">
+            <a:avLst/>
+          </a:prstGeom>
+          <a:noFill/>
+        </p:spPr>
+        <p:txBody>
+          <a:bodyPr wrap="none" rtlCol="0">
+            <a:spAutoFit/>
+          </a:bodyPr>
+          <a:p>
+            <a:r>
+              <a:rPr lang="en-US" altLang="zh-CN"/>
+              <a:t>4.8 </a:t>
+            </a:r>
+            <a:r>
+              <a:rPr lang="zh-CN" altLang="en-US"/>
+              <a:t>常见的</a:t>
+            </a:r>
+            <a:r>
+              <a:rPr lang="en-US" altLang="zh-CN"/>
+              <a:t>dom</a:t>
+            </a:r>
+            <a:r>
+              <a:rPr lang="zh-CN" altLang="en-US"/>
+              <a:t>操作</a:t>
+            </a:r>
+            <a:endParaRPr lang="zh-CN" altLang="en-US"/>
+          </a:p>
+        </p:txBody>
+      </p:sp>
+      <p:pic>
+        <p:nvPicPr>
+          <p:cNvPr id="3" name="图片 2"/>
+          <p:cNvPicPr>
+            <a:picLocks noChangeAspect="1"/>
+          </p:cNvPicPr>
+          <p:nvPr/>
+        </p:nvPicPr>
+        <p:blipFill>
+          <a:blip r:embed="rId2"/>
+          <a:stretch>
+            <a:fillRect/>
+          </a:stretch>
+        </p:blipFill>
+        <p:spPr>
+          <a:xfrm>
+            <a:off x="2022475" y="1673225"/>
+            <a:ext cx="8438515" cy="4999990"/>
+          </a:xfrm>
+          <a:prstGeom prst="rect">
+            <a:avLst/>
+          </a:prstGeom>
+        </p:spPr>
+      </p:pic>
+      <p:sp>
+        <p:nvSpPr>
+          <p:cNvPr id="5" name="文本框 4"/>
+          <p:cNvSpPr txBox="1"/>
+          <p:nvPr/>
+        </p:nvSpPr>
+        <p:spPr>
+          <a:xfrm>
+            <a:off x="904875" y="1071880"/>
+            <a:ext cx="10135235" cy="368300"/>
+          </a:xfrm>
+          <a:prstGeom prst="rect">
+            <a:avLst/>
+          </a:prstGeom>
+          <a:noFill/>
+        </p:spPr>
+        <p:txBody>
+          <a:bodyPr wrap="square" rtlCol="0">
+            <a:spAutoFit/>
+          </a:bodyPr>
+          <a:p>
+            <a:r>
+              <a:rPr lang="en-US" altLang="zh-CN"/>
+              <a:t>DOM</a:t>
+            </a:r>
+            <a:r>
+              <a:rPr lang="zh-CN" altLang="en-US"/>
+              <a:t>元素的所有属性和方法参见http://www.w3school.com.cn/jsref/dom_obj_all.asp</a:t>
+            </a:r>
+            <a:endParaRPr lang="zh-CN" altLang="en-US"/>
+          </a:p>
+        </p:txBody>
+      </p:sp>
+    </p:spTree>
+  </p:cSld>
+  <p:clrMapOvr>
+    <a:masterClrMapping/>
+  </p:clrMapOvr>
+</p:sld>
+</file>
+
+<file path=ppt/slides/slide15.xml><?xml version="1.0" encoding="utf-8"?>
+<p:sld xmlns:a="http://schemas.openxmlformats.org/drawingml/2006/main" xmlns:r="http://schemas.openxmlformats.org/officeDocument/2006/relationships" xmlns:p="http://schemas.openxmlformats.org/presentationml/2006/main">
+  <p:cSld>
+    <p:bg>
+      <p:bgPr>
+        <a:blipFill rotWithShape="1">
+          <a:blip r:embed="rId1"/>
           <a:stretch>
             <a:fillRect/>
           </a:stretch>
@@ -3411,11 +4375,6 @@
         </a:xfrm>
       </p:grpSpPr>
     </p:spTree>
-    <p:extLst>
-      <p:ext uri="{BB962C8B-B14F-4D97-AF65-F5344CB8AC3E}">
-        <p14:creationId xmlns:p14="http://schemas.microsoft.com/office/powerpoint/2010/main" val="1010444629"/>
-      </p:ext>
-    </p:extLst>
   </p:cSld>
   <p:clrMapOvr>
     <a:masterClrMapping/>
@@ -3423,13 +4382,13 @@
 </p:sld>
 </file>
 
-<file path=ppt/slides/slide11.xml><?xml version="1.0" encoding="utf-8"?>
+<file path=ppt/slides/slide2.xml><?xml version="1.0" encoding="utf-8"?>
 <p:sld xmlns:a="http://schemas.openxmlformats.org/drawingml/2006/main" xmlns:r="http://schemas.openxmlformats.org/officeDocument/2006/relationships" xmlns:p="http://schemas.openxmlformats.org/presentationml/2006/main">
   <p:cSld>
     <p:bg>
       <p:bgPr>
         <a:blipFill rotWithShape="1">
-          <a:blip r:embed="rId2"/>
+          <a:blip r:embed="rId1"/>
           <a:stretch>
             <a:fillRect/>
           </a:stretch>
@@ -3451,26 +4410,301 @@
           <a:chExt cx="0" cy="0"/>
         </a:xfrm>
       </p:grpSpPr>
+      <p:sp>
+        <p:nvSpPr>
+          <p:cNvPr id="2" name="文本框 1"/>
+          <p:cNvSpPr txBox="1"/>
+          <p:nvPr/>
+        </p:nvSpPr>
+        <p:spPr>
+          <a:xfrm>
+            <a:off x="147144" y="735723"/>
+            <a:ext cx="3562770" cy="369332"/>
+          </a:xfrm>
+          <a:prstGeom prst="rect">
+            <a:avLst/>
+          </a:prstGeom>
+          <a:noFill/>
+        </p:spPr>
+        <p:txBody>
+          <a:bodyPr wrap="none" rtlCol="0">
+            <a:spAutoFit/>
+          </a:bodyPr>
+          <a:lstStyle/>
+          <a:p>
+            <a:r>
+              <a:rPr lang="zh-CN" altLang="en-US" dirty="0" smtClean="0"/>
+              <a:t>一、在</a:t>
+            </a:r>
+            <a:r>
+              <a:rPr lang="en-US" altLang="zh-CN" dirty="0" smtClean="0"/>
+              <a:t>HTML</a:t>
+            </a:r>
+            <a:r>
+              <a:rPr lang="zh-CN" altLang="en-US" dirty="0" smtClean="0"/>
+              <a:t>文件中使用</a:t>
+            </a:r>
+            <a:r>
+              <a:rPr lang="en-US" altLang="zh-CN" dirty="0" smtClean="0"/>
+              <a:t>script</a:t>
+            </a:r>
+            <a:r>
+              <a:rPr lang="zh-CN" altLang="en-US" dirty="0" smtClean="0"/>
+              <a:t>标签</a:t>
+            </a:r>
+            <a:endParaRPr lang="zh-CN" altLang="en-US" dirty="0"/>
+          </a:p>
+        </p:txBody>
+      </p:sp>
+      <p:sp>
+        <p:nvSpPr>
+          <p:cNvPr id="4" name="文本框 3"/>
+          <p:cNvSpPr txBox="1"/>
+          <p:nvPr/>
+        </p:nvSpPr>
+        <p:spPr>
+          <a:xfrm>
+            <a:off x="599089" y="1261241"/>
+            <a:ext cx="2375971" cy="369332"/>
+          </a:xfrm>
+          <a:prstGeom prst="rect">
+            <a:avLst/>
+          </a:prstGeom>
+          <a:noFill/>
+        </p:spPr>
+        <p:txBody>
+          <a:bodyPr wrap="none" rtlCol="0">
+            <a:spAutoFit/>
+          </a:bodyPr>
+          <a:lstStyle/>
+          <a:p>
+            <a:r>
+              <a:rPr lang="en-US" altLang="zh-CN" dirty="0" smtClean="0"/>
+              <a:t>1.1 </a:t>
+            </a:r>
+            <a:r>
+              <a:rPr lang="zh-CN" altLang="en-US" dirty="0" smtClean="0"/>
+              <a:t>标签的内置与外链</a:t>
+            </a:r>
+            <a:endParaRPr lang="zh-CN" altLang="en-US" dirty="0"/>
+          </a:p>
+        </p:txBody>
+      </p:sp>
+      <p:sp>
+        <p:nvSpPr>
+          <p:cNvPr id="5" name="文本框 4"/>
+          <p:cNvSpPr txBox="1"/>
+          <p:nvPr/>
+        </p:nvSpPr>
+        <p:spPr>
+          <a:xfrm>
+            <a:off x="1145628" y="1786759"/>
+            <a:ext cx="9932275" cy="923330"/>
+          </a:xfrm>
+          <a:prstGeom prst="rect">
+            <a:avLst/>
+          </a:prstGeom>
+          <a:noFill/>
+        </p:spPr>
+        <p:txBody>
+          <a:bodyPr wrap="square" rtlCol="0">
+            <a:spAutoFit/>
+          </a:bodyPr>
+          <a:lstStyle/>
+          <a:p>
+            <a:r>
+              <a:rPr lang="en-US" altLang="zh-CN" dirty="0" smtClean="0"/>
+              <a:t>    script</a:t>
+            </a:r>
+            <a:r>
+              <a:rPr lang="zh-CN" altLang="en-US" dirty="0" smtClean="0"/>
+              <a:t>标签在</a:t>
+            </a:r>
+            <a:r>
+              <a:rPr lang="en-US" altLang="zh-CN" dirty="0" smtClean="0"/>
+              <a:t>html</a:t>
+            </a:r>
+            <a:r>
+              <a:rPr lang="zh-CN" altLang="en-US" dirty="0" smtClean="0"/>
+              <a:t>文件中，有两种存在方式。一种是以标签的</a:t>
+            </a:r>
+            <a:r>
+              <a:rPr lang="en-US" altLang="zh-CN" dirty="0" err="1" smtClean="0">
+                <a:solidFill>
+                  <a:srgbClr val="FF0000"/>
+                </a:solidFill>
+              </a:rPr>
+              <a:t>src</a:t>
+            </a:r>
+            <a:r>
+              <a:rPr lang="zh-CN" altLang="en-US" dirty="0" smtClean="0"/>
+              <a:t>属性外链绝对路径或相对路径的形式，另一种是封闭标签内包含代码的形式。推荐外链的形式，做到</a:t>
+            </a:r>
+            <a:r>
+              <a:rPr lang="en-US" altLang="zh-CN" dirty="0" smtClean="0"/>
+              <a:t>HTML</a:t>
+            </a:r>
+            <a:r>
+              <a:rPr lang="zh-CN" altLang="en-US" dirty="0" smtClean="0"/>
+              <a:t>标签与脚本代码分离。以便于后期的代码维护。</a:t>
+            </a:r>
+            <a:endParaRPr lang="zh-CN" altLang="en-US" dirty="0"/>
+          </a:p>
+        </p:txBody>
+      </p:sp>
+      <p:sp>
+        <p:nvSpPr>
+          <p:cNvPr id="6" name="文本框 5"/>
+          <p:cNvSpPr txBox="1"/>
+          <p:nvPr/>
+        </p:nvSpPr>
+        <p:spPr>
+          <a:xfrm>
+            <a:off x="599089" y="3318220"/>
+            <a:ext cx="1683474" cy="369332"/>
+          </a:xfrm>
+          <a:prstGeom prst="rect">
+            <a:avLst/>
+          </a:prstGeom>
+          <a:noFill/>
+        </p:spPr>
+        <p:txBody>
+          <a:bodyPr wrap="none" rtlCol="0">
+            <a:spAutoFit/>
+          </a:bodyPr>
+          <a:lstStyle/>
+          <a:p>
+            <a:r>
+              <a:rPr lang="en-US" altLang="zh-CN" dirty="0" smtClean="0"/>
+              <a:t>1.2 </a:t>
+            </a:r>
+            <a:r>
+              <a:rPr lang="zh-CN" altLang="en-US" dirty="0" smtClean="0"/>
+              <a:t>标签的位置</a:t>
+            </a:r>
+            <a:endParaRPr lang="zh-CN" altLang="en-US" dirty="0"/>
+          </a:p>
+        </p:txBody>
+      </p:sp>
+      <p:sp>
+        <p:nvSpPr>
+          <p:cNvPr id="8" name="文本框 7"/>
+          <p:cNvSpPr txBox="1"/>
+          <p:nvPr/>
+        </p:nvSpPr>
+        <p:spPr>
+          <a:xfrm>
+            <a:off x="1229709" y="3936071"/>
+            <a:ext cx="9637987" cy="923330"/>
+          </a:xfrm>
+          <a:prstGeom prst="rect">
+            <a:avLst/>
+          </a:prstGeom>
+          <a:noFill/>
+        </p:spPr>
+        <p:txBody>
+          <a:bodyPr wrap="square" rtlCol="0">
+            <a:spAutoFit/>
+          </a:bodyPr>
+          <a:lstStyle/>
+          <a:p>
+            <a:r>
+              <a:rPr lang="en-US" altLang="zh-CN" dirty="0" smtClean="0"/>
+              <a:t> script</a:t>
+            </a:r>
+            <a:r>
+              <a:rPr lang="zh-CN" altLang="en-US" dirty="0" smtClean="0"/>
+              <a:t>标签作为</a:t>
+            </a:r>
+            <a:r>
+              <a:rPr lang="en-US" altLang="zh-CN" dirty="0" smtClean="0"/>
+              <a:t>DOM</a:t>
+            </a:r>
+            <a:r>
+              <a:rPr lang="zh-CN" altLang="en-US" dirty="0" smtClean="0"/>
+              <a:t>节点存在于</a:t>
+            </a:r>
+            <a:r>
+              <a:rPr lang="en-US" altLang="zh-CN" dirty="0" smtClean="0"/>
+              <a:t>HTML</a:t>
+            </a:r>
+            <a:r>
+              <a:rPr lang="zh-CN" altLang="en-US" dirty="0" smtClean="0"/>
+              <a:t>文档中，一般位于</a:t>
+            </a:r>
+            <a:r>
+              <a:rPr lang="en-US" altLang="zh-CN" dirty="0" smtClean="0"/>
+              <a:t>head</a:t>
+            </a:r>
+            <a:r>
+              <a:rPr lang="zh-CN" altLang="en-US" dirty="0" smtClean="0"/>
+              <a:t>标签内，</a:t>
+            </a:r>
+            <a:r>
+              <a:rPr lang="en-US" altLang="zh-CN" dirty="0" smtClean="0"/>
+              <a:t>style</a:t>
+            </a:r>
+            <a:r>
+              <a:rPr lang="zh-CN" altLang="en-US" dirty="0" smtClean="0"/>
+              <a:t>标签之后，按照依赖关系从上到下放置。也可把业务逻辑代码置于</a:t>
+            </a:r>
+            <a:r>
+              <a:rPr lang="en-US" altLang="zh-CN" dirty="0" smtClean="0"/>
+              <a:t>body</a:t>
+            </a:r>
+            <a:r>
+              <a:rPr lang="zh-CN" altLang="en-US" dirty="0" smtClean="0"/>
+              <a:t>中，放在</a:t>
+            </a:r>
+            <a:r>
+              <a:rPr lang="en-US" altLang="zh-CN" dirty="0" smtClean="0"/>
+              <a:t>body</a:t>
+            </a:r>
+            <a:r>
+              <a:rPr lang="zh-CN" altLang="en-US" dirty="0" smtClean="0"/>
+              <a:t>的最后一个直接子元素标签后。</a:t>
+            </a:r>
+            <a:endParaRPr lang="en-US" altLang="zh-CN" dirty="0" smtClean="0"/>
+          </a:p>
+          <a:p>
+            <a:r>
+              <a:rPr lang="zh-CN" altLang="en-US" dirty="0" smtClean="0"/>
+              <a:t>推荐把脚本标签置于</a:t>
+            </a:r>
+            <a:r>
+              <a:rPr lang="en-US" altLang="zh-CN" dirty="0" smtClean="0"/>
+              <a:t>body</a:t>
+            </a:r>
+            <a:r>
+              <a:rPr lang="zh-CN" altLang="en-US" dirty="0" smtClean="0"/>
+              <a:t>的最后一个直接子元素之后，以提高页面的响应速度。</a:t>
+            </a:r>
+            <a:endParaRPr lang="zh-CN" altLang="en-US" dirty="0"/>
+          </a:p>
+        </p:txBody>
+      </p:sp>
     </p:spTree>
-    <p:extLst>
-      <p:ext uri="{BB962C8B-B14F-4D97-AF65-F5344CB8AC3E}">
-        <p14:creationId xmlns:p14="http://schemas.microsoft.com/office/powerpoint/2010/main" val="481536016"/>
-      </p:ext>
-    </p:extLst>
   </p:cSld>
   <p:clrMapOvr>
     <a:masterClrMapping/>
   </p:clrMapOvr>
+  <p:timing>
+    <p:tnLst>
+      <p:par>
+        <p:cTn id="1" dur="indefinite" restart="never" nodeType="tmRoot"/>
+      </p:par>
+    </p:tnLst>
+  </p:timing>
 </p:sld>
 </file>
 
-<file path=ppt/slides/slide12.xml><?xml version="1.0" encoding="utf-8"?>
+<file path=ppt/slides/slide3.xml><?xml version="1.0" encoding="utf-8"?>
 <p:sld xmlns:a="http://schemas.openxmlformats.org/drawingml/2006/main" xmlns:r="http://schemas.openxmlformats.org/officeDocument/2006/relationships" xmlns:p="http://schemas.openxmlformats.org/presentationml/2006/main">
   <p:cSld>
     <p:bg>
       <p:bgPr>
         <a:blipFill rotWithShape="1">
-          <a:blip r:embed="rId2"/>
+          <a:blip r:embed="rId1"/>
           <a:stretch>
             <a:fillRect/>
           </a:stretch>
@@ -3492,26 +4726,90 @@
           <a:chExt cx="0" cy="0"/>
         </a:xfrm>
       </p:grpSpPr>
+      <p:sp>
+        <p:nvSpPr>
+          <p:cNvPr id="2" name="文本框 1"/>
+          <p:cNvSpPr txBox="1"/>
+          <p:nvPr/>
+        </p:nvSpPr>
+        <p:spPr>
+          <a:xfrm>
+            <a:off x="220717" y="756745"/>
+            <a:ext cx="5013434" cy="369332"/>
+          </a:xfrm>
+          <a:prstGeom prst="rect">
+            <a:avLst/>
+          </a:prstGeom>
+          <a:noFill/>
+        </p:spPr>
+        <p:txBody>
+          <a:bodyPr wrap="square" rtlCol="0">
+            <a:spAutoFit/>
+          </a:bodyPr>
+          <a:lstStyle/>
+          <a:p>
+            <a:r>
+              <a:rPr lang="zh-CN" altLang="en-US" dirty="0" smtClean="0"/>
+              <a:t>二、</a:t>
+            </a:r>
+            <a:r>
+              <a:rPr lang="en-US" altLang="zh-CN" dirty="0" smtClean="0"/>
+              <a:t>JavaScript</a:t>
+            </a:r>
+            <a:r>
+              <a:rPr lang="zh-CN" altLang="en-US" dirty="0" smtClean="0"/>
+              <a:t>的数据类型</a:t>
+            </a:r>
+            <a:endParaRPr lang="zh-CN" altLang="en-US" dirty="0"/>
+          </a:p>
+        </p:txBody>
+      </p:sp>
+      <p:pic>
+        <p:nvPicPr>
+          <p:cNvPr id="3" name="图片 2"/>
+          <p:cNvPicPr>
+            <a:picLocks noChangeAspect="1"/>
+          </p:cNvPicPr>
+          <p:nvPr/>
+        </p:nvPicPr>
+        <p:blipFill>
+          <a:blip r:embed="rId2"/>
+          <a:stretch>
+            <a:fillRect/>
+          </a:stretch>
+        </p:blipFill>
+        <p:spPr>
+          <a:xfrm>
+            <a:off x="491852" y="1126077"/>
+            <a:ext cx="9650631" cy="5243191"/>
+          </a:xfrm>
+          <a:prstGeom prst="rect">
+            <a:avLst/>
+          </a:prstGeom>
+        </p:spPr>
+      </p:pic>
     </p:spTree>
-    <p:extLst>
-      <p:ext uri="{BB962C8B-B14F-4D97-AF65-F5344CB8AC3E}">
-        <p14:creationId xmlns:p14="http://schemas.microsoft.com/office/powerpoint/2010/main" val="3046024668"/>
-      </p:ext>
-    </p:extLst>
   </p:cSld>
   <p:clrMapOvr>
     <a:masterClrMapping/>
   </p:clrMapOvr>
+  <p:timing>
+    <p:tnLst>
+      <p:par>
+        <p:cTn id="1" dur="indefinite" restart="never" nodeType="tmRoot"/>
+      </p:par>
+    </p:tnLst>
+  </p:timing>
 </p:sld>
 </file>
 
-<file path=ppt/slides/slide13.xml><?xml version="1.0" encoding="utf-8"?>
+<file path=ppt/slides/slide4.xml><?xml version="1.0" encoding="utf-8"?>
 <p:sld xmlns:a="http://schemas.openxmlformats.org/drawingml/2006/main" xmlns:r="http://schemas.openxmlformats.org/officeDocument/2006/relationships" xmlns:p="http://schemas.openxmlformats.org/presentationml/2006/main">
   <p:cSld>
     <p:bg>
       <p:bgPr>
         <a:blipFill rotWithShape="1">
-          <a:blip r:embed="rId2"/>
+          <a:blip r:embed="rId1"/>
           <a:stretch>
             <a:fillRect/>
           </a:stretch>
@@ -3533,26 +4831,386 @@
           <a:chExt cx="0" cy="0"/>
         </a:xfrm>
       </p:grpSpPr>
+      <p:sp>
+        <p:nvSpPr>
+          <p:cNvPr id="2" name="文本框 1"/>
+          <p:cNvSpPr txBox="1"/>
+          <p:nvPr/>
+        </p:nvSpPr>
+        <p:spPr>
+          <a:xfrm>
+            <a:off x="210207" y="798785"/>
+            <a:ext cx="3647089" cy="369332"/>
+          </a:xfrm>
+          <a:prstGeom prst="rect">
+            <a:avLst/>
+          </a:prstGeom>
+          <a:noFill/>
+        </p:spPr>
+        <p:txBody>
+          <a:bodyPr wrap="square" rtlCol="0">
+            <a:spAutoFit/>
+          </a:bodyPr>
+          <a:lstStyle/>
+          <a:p>
+            <a:r>
+              <a:rPr lang="en-US" altLang="zh-CN" dirty="0" smtClean="0"/>
+              <a:t>2.1 </a:t>
+            </a:r>
+            <a:r>
+              <a:rPr lang="zh-CN" altLang="en-US" dirty="0" smtClean="0"/>
+              <a:t>关于数据类型的几点说明</a:t>
+            </a:r>
+            <a:endParaRPr lang="zh-CN" altLang="en-US" dirty="0"/>
+          </a:p>
+        </p:txBody>
+      </p:sp>
+      <p:sp>
+        <p:nvSpPr>
+          <p:cNvPr id="3" name="文本框 2"/>
+          <p:cNvSpPr txBox="1"/>
+          <p:nvPr/>
+        </p:nvSpPr>
+        <p:spPr>
+          <a:xfrm>
+            <a:off x="767254" y="1313793"/>
+            <a:ext cx="10016359" cy="646331"/>
+          </a:xfrm>
+          <a:prstGeom prst="rect">
+            <a:avLst/>
+          </a:prstGeom>
+          <a:noFill/>
+        </p:spPr>
+        <p:txBody>
+          <a:bodyPr wrap="square" rtlCol="0">
+            <a:spAutoFit/>
+          </a:bodyPr>
+          <a:lstStyle/>
+          <a:p>
+            <a:r>
+              <a:rPr lang="zh-CN" altLang="en-US" dirty="0" smtClean="0"/>
+              <a:t>①除了以上几种类型外，还有</a:t>
+            </a:r>
+            <a:r>
+              <a:rPr lang="en-US" altLang="zh-CN" dirty="0" smtClean="0"/>
+              <a:t>Null</a:t>
+            </a:r>
+            <a:r>
+              <a:rPr lang="zh-CN" altLang="en-US" dirty="0" smtClean="0"/>
+              <a:t>，</a:t>
+            </a:r>
+            <a:r>
+              <a:rPr lang="en-US" altLang="zh-CN" dirty="0" smtClean="0"/>
+              <a:t>Undefined</a:t>
+            </a:r>
+            <a:r>
+              <a:rPr lang="zh-CN" altLang="en-US" dirty="0" smtClean="0"/>
+              <a:t>两种类型，</a:t>
+            </a:r>
+            <a:r>
+              <a:rPr lang="en-US" altLang="zh-CN" dirty="0" smtClean="0"/>
+              <a:t>Null</a:t>
+            </a:r>
+            <a:r>
+              <a:rPr lang="zh-CN" altLang="en-US" dirty="0" smtClean="0"/>
+              <a:t>类型只有一个值</a:t>
+            </a:r>
+            <a:r>
+              <a:rPr lang="en-US" altLang="zh-CN" dirty="0" smtClean="0"/>
+              <a:t>null</a:t>
+            </a:r>
+            <a:r>
+              <a:rPr lang="zh-CN" altLang="en-US" dirty="0" smtClean="0"/>
+              <a:t>，</a:t>
+            </a:r>
+            <a:r>
+              <a:rPr lang="en-US" altLang="zh-CN" dirty="0" smtClean="0"/>
+              <a:t>Undefined</a:t>
+            </a:r>
+            <a:r>
+              <a:rPr lang="zh-CN" altLang="en-US" dirty="0" smtClean="0"/>
+              <a:t>类型也只有一个值</a:t>
+            </a:r>
+            <a:r>
+              <a:rPr lang="en-US" altLang="zh-CN" dirty="0" smtClean="0"/>
+              <a:t>undefined</a:t>
+            </a:r>
+            <a:r>
+              <a:rPr lang="zh-CN" altLang="en-US" dirty="0" smtClean="0"/>
+              <a:t>，且</a:t>
+            </a:r>
+            <a:r>
+              <a:rPr lang="en-US" altLang="zh-CN" dirty="0" smtClean="0"/>
+              <a:t>undefined</a:t>
+            </a:r>
+            <a:r>
+              <a:rPr lang="zh-CN" altLang="en-US" dirty="0" smtClean="0"/>
+              <a:t>派生于</a:t>
+            </a:r>
+            <a:r>
+              <a:rPr lang="en-US" altLang="zh-CN" dirty="0" smtClean="0"/>
+              <a:t>null</a:t>
+            </a:r>
+            <a:r>
+              <a:rPr lang="zh-CN" altLang="en-US" dirty="0"/>
+              <a:t>，</a:t>
+            </a:r>
+            <a:r>
+              <a:rPr lang="en-US" altLang="zh-CN" dirty="0" smtClean="0"/>
+              <a:t>Undefined == null </a:t>
+            </a:r>
+            <a:r>
+              <a:rPr lang="zh-CN" altLang="en-US" dirty="0" smtClean="0"/>
+              <a:t>会返回</a:t>
+            </a:r>
+            <a:r>
+              <a:rPr lang="en-US" altLang="zh-CN" dirty="0" smtClean="0"/>
+              <a:t>true</a:t>
+            </a:r>
+            <a:r>
+              <a:rPr lang="zh-CN" altLang="en-US" dirty="0" smtClean="0"/>
+              <a:t>。</a:t>
+            </a:r>
+            <a:endParaRPr lang="zh-CN" altLang="en-US" dirty="0"/>
+          </a:p>
+        </p:txBody>
+      </p:sp>
+      <p:sp>
+        <p:nvSpPr>
+          <p:cNvPr id="4" name="文本框 3"/>
+          <p:cNvSpPr txBox="1"/>
+          <p:nvPr/>
+        </p:nvSpPr>
+        <p:spPr>
+          <a:xfrm>
+            <a:off x="867101" y="2593904"/>
+            <a:ext cx="9816663" cy="923330"/>
+          </a:xfrm>
+          <a:prstGeom prst="rect">
+            <a:avLst/>
+          </a:prstGeom>
+          <a:noFill/>
+        </p:spPr>
+        <p:txBody>
+          <a:bodyPr wrap="square" rtlCol="0">
+            <a:spAutoFit/>
+          </a:bodyPr>
+          <a:lstStyle/>
+          <a:p>
+            <a:r>
+              <a:rPr lang="zh-CN" altLang="en-US" dirty="0" smtClean="0"/>
+              <a:t>②</a:t>
+            </a:r>
+            <a:r>
+              <a:rPr lang="en-US" altLang="zh-CN" dirty="0" smtClean="0"/>
+              <a:t>null</a:t>
+            </a:r>
+            <a:r>
+              <a:rPr lang="zh-CN" altLang="en-US" dirty="0" smtClean="0"/>
+              <a:t>的典型用法</a:t>
+            </a:r>
+            <a:r>
+              <a:rPr lang="en-US" altLang="zh-CN" dirty="0" smtClean="0"/>
+              <a:t>(</a:t>
+            </a:r>
+            <a:r>
+              <a:rPr lang="zh-CN" altLang="en-US" dirty="0"/>
+              <a:t>没有对象，即该处不应该有值</a:t>
+            </a:r>
+            <a:r>
+              <a:rPr lang="en-US" altLang="zh-CN" dirty="0" smtClean="0"/>
+              <a:t>)</a:t>
+            </a:r>
+            <a:r>
+              <a:rPr lang="zh-CN" altLang="en-US" dirty="0" smtClean="0"/>
+              <a:t>：</a:t>
+            </a:r>
+            <a:endParaRPr lang="en-US" altLang="zh-CN" dirty="0" smtClean="0"/>
+          </a:p>
+          <a:p>
+            <a:r>
+              <a:rPr lang="en-US" altLang="zh-CN" dirty="0"/>
+              <a:t>	</a:t>
+            </a:r>
+            <a:r>
+              <a:rPr lang="en-US" altLang="zh-CN" dirty="0" smtClean="0"/>
+              <a:t>a.</a:t>
+            </a:r>
+            <a:r>
+              <a:rPr lang="zh-CN" altLang="en-US" dirty="0"/>
+              <a:t>作为函数的参数，表示该函数的参数不是</a:t>
+            </a:r>
+            <a:r>
+              <a:rPr lang="zh-CN" altLang="en-US" dirty="0" smtClean="0"/>
+              <a:t>对象</a:t>
+            </a:r>
+            <a:endParaRPr lang="en-US" altLang="zh-CN" dirty="0" smtClean="0"/>
+          </a:p>
+          <a:p>
+            <a:r>
+              <a:rPr lang="en-US" altLang="zh-CN" dirty="0"/>
+              <a:t>	</a:t>
+            </a:r>
+            <a:r>
+              <a:rPr lang="en-US" altLang="zh-CN" dirty="0" smtClean="0"/>
+              <a:t>b.</a:t>
+            </a:r>
+            <a:r>
+              <a:rPr lang="zh-CN" altLang="en-US" dirty="0"/>
+              <a:t>作为对象原型链的终点</a:t>
+            </a:r>
+            <a:endParaRPr lang="zh-CN" altLang="en-US" dirty="0"/>
+          </a:p>
+        </p:txBody>
+      </p:sp>
+      <p:sp>
+        <p:nvSpPr>
+          <p:cNvPr id="5" name="文本框 4"/>
+          <p:cNvSpPr txBox="1"/>
+          <p:nvPr/>
+        </p:nvSpPr>
+        <p:spPr>
+          <a:xfrm>
+            <a:off x="867101" y="4309241"/>
+            <a:ext cx="9312166" cy="1477328"/>
+          </a:xfrm>
+          <a:prstGeom prst="rect">
+            <a:avLst/>
+          </a:prstGeom>
+          <a:noFill/>
+        </p:spPr>
+        <p:txBody>
+          <a:bodyPr wrap="square" rtlCol="0">
+            <a:spAutoFit/>
+          </a:bodyPr>
+          <a:lstStyle/>
+          <a:p>
+            <a:r>
+              <a:rPr lang="zh-CN" altLang="en-US" dirty="0" smtClean="0"/>
+              <a:t>③</a:t>
+            </a:r>
+            <a:r>
+              <a:rPr lang="en-US" altLang="zh-CN" dirty="0" smtClean="0"/>
+              <a:t>undefined</a:t>
+            </a:r>
+            <a:r>
+              <a:rPr lang="zh-CN" altLang="en-US" dirty="0" smtClean="0"/>
+              <a:t>的典型用法</a:t>
+            </a:r>
+            <a:r>
+              <a:rPr lang="en-US" altLang="zh-CN" dirty="0" smtClean="0"/>
+              <a:t>(</a:t>
+            </a:r>
+            <a:r>
+              <a:rPr lang="zh-CN" altLang="en-US" dirty="0"/>
+              <a:t>此处应该有一个值，但是还没有定义</a:t>
+            </a:r>
+            <a:r>
+              <a:rPr lang="en-US" altLang="zh-CN" dirty="0" smtClean="0"/>
+              <a:t>):</a:t>
+            </a:r>
+            <a:endParaRPr lang="en-US" altLang="zh-CN" dirty="0" smtClean="0"/>
+          </a:p>
+          <a:p>
+            <a:r>
+              <a:rPr lang="en-US" altLang="zh-CN" dirty="0"/>
+              <a:t>	</a:t>
+            </a:r>
+            <a:r>
+              <a:rPr lang="en-US" altLang="zh-CN" dirty="0" smtClean="0"/>
+              <a:t>a.</a:t>
+            </a:r>
+            <a:r>
+              <a:rPr lang="zh-CN" altLang="en-US" dirty="0"/>
+              <a:t>变量被声明了，但没有赋值</a:t>
+            </a:r>
+            <a:r>
+              <a:rPr lang="zh-CN" altLang="en-US" dirty="0" smtClean="0"/>
+              <a:t>时</a:t>
+            </a:r>
+            <a:endParaRPr lang="en-US" altLang="zh-CN" dirty="0" smtClean="0"/>
+          </a:p>
+          <a:p>
+            <a:r>
+              <a:rPr lang="en-US" altLang="zh-CN" dirty="0"/>
+              <a:t>	</a:t>
+            </a:r>
+            <a:r>
+              <a:rPr lang="en-US" altLang="zh-CN" dirty="0" smtClean="0"/>
+              <a:t>b.</a:t>
+            </a:r>
+            <a:r>
+              <a:rPr lang="zh-CN" altLang="en-US" dirty="0"/>
+              <a:t>调用函数时，应该提供的参数没有</a:t>
+            </a:r>
+            <a:r>
+              <a:rPr lang="zh-CN" altLang="en-US" dirty="0" smtClean="0"/>
+              <a:t>提供</a:t>
+            </a:r>
+            <a:endParaRPr lang="en-US" altLang="zh-CN" dirty="0" smtClean="0"/>
+          </a:p>
+          <a:p>
+            <a:r>
+              <a:rPr lang="en-US" altLang="zh-CN" dirty="0"/>
+              <a:t>	</a:t>
+            </a:r>
+            <a:r>
+              <a:rPr lang="en-US" altLang="zh-CN" dirty="0" smtClean="0"/>
+              <a:t>c.</a:t>
+            </a:r>
+            <a:r>
+              <a:rPr lang="zh-CN" altLang="en-US" dirty="0"/>
+              <a:t>对象</a:t>
+            </a:r>
+            <a:r>
+              <a:rPr lang="zh-CN" altLang="en-US" dirty="0" smtClean="0"/>
+              <a:t>没有</a:t>
+            </a:r>
+            <a:r>
+              <a:rPr lang="zh-CN" altLang="en-US" dirty="0"/>
+              <a:t>定义</a:t>
+            </a:r>
+            <a:r>
+              <a:rPr lang="zh-CN" altLang="en-US" dirty="0" smtClean="0"/>
+              <a:t>的属性</a:t>
+            </a:r>
+            <a:endParaRPr lang="en-US" altLang="zh-CN" dirty="0" smtClean="0"/>
+          </a:p>
+          <a:p>
+            <a:r>
+              <a:rPr lang="en-US" altLang="zh-CN" dirty="0" smtClean="0"/>
+              <a:t>	d.</a:t>
+            </a:r>
+            <a:r>
+              <a:rPr lang="zh-CN" altLang="en-US" dirty="0"/>
+              <a:t>函数没有返回值时</a:t>
+            </a:r>
+            <a:endParaRPr lang="zh-CN" altLang="en-US" dirty="0"/>
+          </a:p>
+        </p:txBody>
+      </p:sp>
     </p:spTree>
-    <p:extLst>
-      <p:ext uri="{BB962C8B-B14F-4D97-AF65-F5344CB8AC3E}">
-        <p14:creationId xmlns:p14="http://schemas.microsoft.com/office/powerpoint/2010/main" val="1974837382"/>
-      </p:ext>
-    </p:extLst>
   </p:cSld>
   <p:clrMapOvr>
     <a:masterClrMapping/>
   </p:clrMapOvr>
+  <p:timing>
+    <p:tnLst>
+      <p:par>
+        <p:cTn id="1" dur="indefinite" restart="never" nodeType="tmRoot"/>
+      </p:par>
+    </p:tnLst>
+  </p:timing>
 </p:sld>
 </file>
 
-<file path=ppt/slides/slide14.xml><?xml version="1.0" encoding="utf-8"?>
+<file path=ppt/slides/slide5.xml><?xml version="1.0" encoding="utf-8"?>
 <p:sld xmlns:a="http://schemas.openxmlformats.org/drawingml/2006/main" xmlns:r="http://schemas.openxmlformats.org/officeDocument/2006/relationships" xmlns:p="http://schemas.openxmlformats.org/presentationml/2006/main">
   <p:cSld>
     <p:bg>
       <p:bgPr>
         <a:blipFill rotWithShape="1">
-          <a:blip r:embed="rId2"/>
+          <a:blip r:embed="rId1"/>
           <a:stretch>
             <a:fillRect/>
           </a:stretch>
@@ -3574,26 +5232,194 @@
           <a:chExt cx="0" cy="0"/>
         </a:xfrm>
       </p:grpSpPr>
+      <p:sp>
+        <p:nvSpPr>
+          <p:cNvPr id="3" name="文本框 2"/>
+          <p:cNvSpPr txBox="1"/>
+          <p:nvPr/>
+        </p:nvSpPr>
+        <p:spPr>
+          <a:xfrm>
+            <a:off x="241739" y="777766"/>
+            <a:ext cx="1914307" cy="369332"/>
+          </a:xfrm>
+          <a:prstGeom prst="rect">
+            <a:avLst/>
+          </a:prstGeom>
+          <a:noFill/>
+        </p:spPr>
+        <p:txBody>
+          <a:bodyPr wrap="none" rtlCol="0">
+            <a:spAutoFit/>
+          </a:bodyPr>
+          <a:lstStyle/>
+          <a:p>
+            <a:r>
+              <a:rPr lang="en-US" altLang="zh-CN" dirty="0" smtClean="0"/>
+              <a:t>3.1 </a:t>
+            </a:r>
+            <a:r>
+              <a:rPr lang="zh-CN" altLang="en-US" dirty="0" smtClean="0"/>
+              <a:t>表达式和语句</a:t>
+            </a:r>
+            <a:endParaRPr lang="zh-CN" altLang="en-US" dirty="0"/>
+          </a:p>
+        </p:txBody>
+      </p:sp>
+      <p:sp>
+        <p:nvSpPr>
+          <p:cNvPr id="4" name="文本框 3"/>
+          <p:cNvSpPr txBox="1"/>
+          <p:nvPr/>
+        </p:nvSpPr>
+        <p:spPr>
+          <a:xfrm>
+            <a:off x="746233" y="1147098"/>
+            <a:ext cx="9732579" cy="369332"/>
+          </a:xfrm>
+          <a:prstGeom prst="rect">
+            <a:avLst/>
+          </a:prstGeom>
+          <a:noFill/>
+        </p:spPr>
+        <p:txBody>
+          <a:bodyPr wrap="square" rtlCol="0">
+            <a:spAutoFit/>
+          </a:bodyPr>
+          <a:lstStyle/>
+          <a:p>
+            <a:r>
+              <a:rPr lang="zh-CN" altLang="en-US" dirty="0" smtClean="0">
+                <a:solidFill>
+                  <a:srgbClr val="FF0000"/>
+                </a:solidFill>
+              </a:rPr>
+              <a:t>表达式</a:t>
+            </a:r>
+            <a:r>
+              <a:rPr lang="zh-CN" altLang="en-US" dirty="0" smtClean="0"/>
+              <a:t>会产生一个值，能够放置在任何需要值的地方。</a:t>
+            </a:r>
+            <a:endParaRPr lang="zh-CN" altLang="en-US" dirty="0"/>
+          </a:p>
+        </p:txBody>
+      </p:sp>
+      <p:pic>
+        <p:nvPicPr>
+          <p:cNvPr id="5" name="图片 4"/>
+          <p:cNvPicPr>
+            <a:picLocks noChangeAspect="1"/>
+          </p:cNvPicPr>
+          <p:nvPr/>
+        </p:nvPicPr>
+        <p:blipFill>
+          <a:blip r:embed="rId2"/>
+          <a:stretch>
+            <a:fillRect/>
+          </a:stretch>
+        </p:blipFill>
+        <p:spPr>
+          <a:xfrm>
+            <a:off x="910130" y="1884033"/>
+            <a:ext cx="5724525" cy="790575"/>
+          </a:xfrm>
+          <a:prstGeom prst="rect">
+            <a:avLst/>
+          </a:prstGeom>
+        </p:spPr>
+      </p:pic>
+      <p:sp>
+        <p:nvSpPr>
+          <p:cNvPr id="6" name="文本框 5"/>
+          <p:cNvSpPr txBox="1"/>
+          <p:nvPr/>
+        </p:nvSpPr>
+        <p:spPr>
+          <a:xfrm>
+            <a:off x="746233" y="3499945"/>
+            <a:ext cx="4001416" cy="369332"/>
+          </a:xfrm>
+          <a:prstGeom prst="rect">
+            <a:avLst/>
+          </a:prstGeom>
+          <a:noFill/>
+        </p:spPr>
+        <p:txBody>
+          <a:bodyPr wrap="none" rtlCol="0">
+            <a:spAutoFit/>
+          </a:bodyPr>
+          <a:lstStyle/>
+          <a:p>
+            <a:r>
+              <a:rPr lang="zh-CN" altLang="en-US" dirty="0" smtClean="0">
+                <a:solidFill>
+                  <a:srgbClr val="FF0000"/>
+                </a:solidFill>
+              </a:rPr>
+              <a:t>语句</a:t>
+            </a:r>
+            <a:r>
+              <a:rPr lang="zh-CN" altLang="en-US" dirty="0" smtClean="0"/>
+              <a:t>会执行一个行为，比如</a:t>
+            </a:r>
+            <a:r>
+              <a:rPr lang="en-US" altLang="zh-CN" dirty="0" smtClean="0"/>
+              <a:t>if</a:t>
+            </a:r>
+            <a:r>
+              <a:rPr lang="zh-CN" altLang="en-US" dirty="0" smtClean="0"/>
+              <a:t>语句等。</a:t>
+            </a:r>
+            <a:endParaRPr lang="zh-CN" altLang="en-US" dirty="0"/>
+          </a:p>
+        </p:txBody>
+      </p:sp>
+      <p:pic>
+        <p:nvPicPr>
+          <p:cNvPr id="7" name="图片 6"/>
+          <p:cNvPicPr>
+            <a:picLocks noChangeAspect="1"/>
+          </p:cNvPicPr>
+          <p:nvPr/>
+        </p:nvPicPr>
+        <p:blipFill>
+          <a:blip r:embed="rId3"/>
+          <a:stretch>
+            <a:fillRect/>
+          </a:stretch>
+        </p:blipFill>
+        <p:spPr>
+          <a:xfrm>
+            <a:off x="995855" y="4273933"/>
+            <a:ext cx="5638800" cy="1400175"/>
+          </a:xfrm>
+          <a:prstGeom prst="rect">
+            <a:avLst/>
+          </a:prstGeom>
+        </p:spPr>
+      </p:pic>
     </p:spTree>
-    <p:extLst>
-      <p:ext uri="{BB962C8B-B14F-4D97-AF65-F5344CB8AC3E}">
-        <p14:creationId xmlns:p14="http://schemas.microsoft.com/office/powerpoint/2010/main" val="1014790027"/>
-      </p:ext>
-    </p:extLst>
   </p:cSld>
   <p:clrMapOvr>
     <a:masterClrMapping/>
   </p:clrMapOvr>
+  <p:timing>
+    <p:tnLst>
+      <p:par>
+        <p:cTn id="1" dur="indefinite" restart="never" nodeType="tmRoot"/>
+      </p:par>
+    </p:tnLst>
+  </p:timing>
 </p:sld>
 </file>
 
-<file path=ppt/slides/slide15.xml><?xml version="1.0" encoding="utf-8"?>
+<file path=ppt/slides/slide6.xml><?xml version="1.0" encoding="utf-8"?>
 <p:sld xmlns:a="http://schemas.openxmlformats.org/drawingml/2006/main" xmlns:r="http://schemas.openxmlformats.org/officeDocument/2006/relationships" xmlns:p="http://schemas.openxmlformats.org/presentationml/2006/main">
   <p:cSld>
     <p:bg>
       <p:bgPr>
         <a:blipFill rotWithShape="1">
-          <a:blip r:embed="rId2"/>
+          <a:blip r:embed="rId1"/>
           <a:stretch>
             <a:fillRect/>
           </a:stretch>
@@ -3623,8 +5449,8 @@
         </p:nvSpPr>
         <p:spPr>
           <a:xfrm>
-            <a:off x="788276" y="2228193"/>
-            <a:ext cx="1600118" cy="369332"/>
+            <a:off x="252248" y="777765"/>
+            <a:ext cx="1221809" cy="369332"/>
           </a:xfrm>
           <a:prstGeom prst="rect">
             <a:avLst/>
@@ -3638,26 +5464,269 @@
           <a:lstStyle/>
           <a:p>
             <a:r>
-              <a:rPr lang="en-US" altLang="zh-CN" dirty="0" smtClean="0">
-                <a:solidFill>
-                  <a:srgbClr val="FF0000"/>
-                </a:solidFill>
-              </a:rPr>
-              <a:t>DOM</a:t>
-            </a:r>
-            <a:r>
-              <a:rPr lang="zh-CN" altLang="en-US" dirty="0" smtClean="0">
-                <a:solidFill>
-                  <a:srgbClr val="FF0000"/>
-                </a:solidFill>
-              </a:rPr>
-              <a:t>操作章节</a:t>
-            </a:r>
-            <a:endParaRPr lang="zh-CN" altLang="en-US" dirty="0">
-              <a:solidFill>
-                <a:srgbClr val="FF0000"/>
-              </a:solidFill>
-            </a:endParaRPr>
+              <a:rPr lang="en-US" altLang="zh-CN" dirty="0" smtClean="0"/>
+              <a:t>3.2 </a:t>
+            </a:r>
+            <a:r>
+              <a:rPr lang="zh-CN" altLang="en-US" dirty="0"/>
+              <a:t>运算符</a:t>
+            </a:r>
+            <a:endParaRPr lang="zh-CN" altLang="en-US" dirty="0"/>
+          </a:p>
+        </p:txBody>
+      </p:sp>
+      <p:pic>
+        <p:nvPicPr>
+          <p:cNvPr id="3" name="图片 2"/>
+          <p:cNvPicPr>
+            <a:picLocks noChangeAspect="1"/>
+          </p:cNvPicPr>
+          <p:nvPr/>
+        </p:nvPicPr>
+        <p:blipFill>
+          <a:blip r:embed="rId2"/>
+          <a:stretch>
+            <a:fillRect/>
+          </a:stretch>
+        </p:blipFill>
+        <p:spPr>
+          <a:xfrm>
+            <a:off x="1474057" y="777765"/>
+            <a:ext cx="6699669" cy="5927835"/>
+          </a:xfrm>
+          <a:prstGeom prst="rect">
+            <a:avLst/>
+          </a:prstGeom>
+        </p:spPr>
+      </p:pic>
+      <p:sp>
+        <p:nvSpPr>
+          <p:cNvPr id="4" name="文本框 3"/>
+          <p:cNvSpPr txBox="1"/>
+          <p:nvPr/>
+        </p:nvSpPr>
+        <p:spPr>
+          <a:xfrm>
+            <a:off x="8965325" y="1168117"/>
+            <a:ext cx="2921876" cy="1200329"/>
+          </a:xfrm>
+          <a:prstGeom prst="rect">
+            <a:avLst/>
+          </a:prstGeom>
+          <a:noFill/>
+        </p:spPr>
+        <p:txBody>
+          <a:bodyPr wrap="square" rtlCol="0">
+            <a:spAutoFit/>
+          </a:bodyPr>
+          <a:lstStyle/>
+          <a:p>
+            <a:r>
+              <a:rPr lang="zh-CN" altLang="en-US" dirty="0" smtClean="0"/>
+              <a:t>逻辑运算符 </a:t>
+            </a:r>
+            <a:endParaRPr lang="en-US" altLang="zh-CN" dirty="0" smtClean="0"/>
+          </a:p>
+          <a:p>
+            <a:r>
+              <a:rPr lang="en-US" altLang="zh-CN" dirty="0"/>
+              <a:t> </a:t>
+            </a:r>
+            <a:r>
+              <a:rPr lang="en-US" altLang="zh-CN" dirty="0" smtClean="0"/>
+              <a:t>   a.</a:t>
+            </a:r>
+            <a:r>
+              <a:rPr lang="zh-CN" altLang="en-US" dirty="0" smtClean="0"/>
+              <a:t>逻辑或 </a:t>
+            </a:r>
+            <a:r>
+              <a:rPr lang="en-US" altLang="zh-CN" dirty="0" smtClean="0"/>
+              <a:t> || </a:t>
+            </a:r>
+            <a:endParaRPr lang="en-US" altLang="zh-CN" dirty="0" smtClean="0"/>
+          </a:p>
+          <a:p>
+            <a:r>
+              <a:rPr lang="zh-CN" altLang="en-US" dirty="0" smtClean="0"/>
+              <a:t>    </a:t>
+            </a:r>
+            <a:r>
+              <a:rPr lang="en-US" altLang="zh-CN" dirty="0" smtClean="0"/>
+              <a:t>b.</a:t>
+            </a:r>
+            <a:r>
+              <a:rPr lang="zh-CN" altLang="en-US" dirty="0" smtClean="0"/>
+              <a:t>逻辑且  </a:t>
+            </a:r>
+            <a:r>
+              <a:rPr lang="en-US" altLang="zh-CN" dirty="0" smtClean="0"/>
+              <a:t>&amp;&amp;</a:t>
+            </a:r>
+            <a:endParaRPr lang="en-US" altLang="zh-CN" dirty="0" smtClean="0"/>
+          </a:p>
+          <a:p>
+            <a:r>
+              <a:rPr lang="zh-CN" altLang="en-US" dirty="0" smtClean="0"/>
+              <a:t>    </a:t>
+            </a:r>
+            <a:r>
+              <a:rPr lang="en-US" altLang="zh-CN" dirty="0" smtClean="0"/>
+              <a:t>c.</a:t>
+            </a:r>
+            <a:r>
+              <a:rPr lang="zh-CN" altLang="en-US" dirty="0" smtClean="0"/>
+              <a:t>逻辑非 </a:t>
+            </a:r>
+            <a:r>
+              <a:rPr lang="en-US" altLang="zh-CN" dirty="0" smtClean="0"/>
+              <a:t>  !</a:t>
+            </a:r>
+            <a:endParaRPr lang="zh-CN" altLang="en-US" dirty="0"/>
+          </a:p>
+        </p:txBody>
+      </p:sp>
+      <p:sp>
+        <p:nvSpPr>
+          <p:cNvPr id="5" name="文本框 4"/>
+          <p:cNvSpPr txBox="1"/>
+          <p:nvPr/>
+        </p:nvSpPr>
+        <p:spPr>
+          <a:xfrm>
+            <a:off x="9080938" y="3394842"/>
+            <a:ext cx="1944413" cy="2031325"/>
+          </a:xfrm>
+          <a:prstGeom prst="rect">
+            <a:avLst/>
+          </a:prstGeom>
+          <a:noFill/>
+        </p:spPr>
+        <p:txBody>
+          <a:bodyPr wrap="square" rtlCol="0">
+            <a:spAutoFit/>
+          </a:bodyPr>
+          <a:lstStyle/>
+          <a:p>
+            <a:r>
+              <a:rPr lang="zh-CN" altLang="en-US" dirty="0" smtClean="0"/>
+              <a:t>位运算符</a:t>
+            </a:r>
+            <a:endParaRPr lang="en-US" altLang="zh-CN" dirty="0" smtClean="0"/>
+          </a:p>
+          <a:p>
+            <a:r>
+              <a:rPr lang="en-US" altLang="zh-CN" dirty="0"/>
+              <a:t> </a:t>
+            </a:r>
+            <a:r>
+              <a:rPr lang="en-US" altLang="zh-CN" dirty="0" smtClean="0"/>
+              <a:t>    a.</a:t>
+            </a:r>
+            <a:r>
+              <a:rPr lang="zh-CN" altLang="en-US" dirty="0" smtClean="0"/>
+              <a:t>按位与     </a:t>
+            </a:r>
+            <a:r>
+              <a:rPr lang="en-US" altLang="zh-CN" dirty="0" smtClean="0"/>
+              <a:t>&amp;</a:t>
+            </a:r>
+            <a:endParaRPr lang="en-US" altLang="zh-CN" dirty="0" smtClean="0"/>
+          </a:p>
+          <a:p>
+            <a:r>
+              <a:rPr lang="en-US" altLang="zh-CN" dirty="0"/>
+              <a:t> </a:t>
+            </a:r>
+            <a:r>
+              <a:rPr lang="en-US" altLang="zh-CN" dirty="0" smtClean="0"/>
+              <a:t>    b.</a:t>
+            </a:r>
+            <a:r>
+              <a:rPr lang="zh-CN" altLang="en-US" dirty="0" smtClean="0"/>
+              <a:t>按位或     </a:t>
+            </a:r>
+            <a:r>
+              <a:rPr lang="en-US" altLang="zh-CN" dirty="0" smtClean="0"/>
+              <a:t>|</a:t>
+            </a:r>
+            <a:endParaRPr lang="en-US" altLang="zh-CN" dirty="0" smtClean="0"/>
+          </a:p>
+          <a:p>
+            <a:r>
+              <a:rPr lang="en-US" altLang="zh-CN" dirty="0"/>
+              <a:t> </a:t>
+            </a:r>
+            <a:r>
+              <a:rPr lang="en-US" altLang="zh-CN" dirty="0" smtClean="0"/>
+              <a:t>    c.</a:t>
+            </a:r>
+            <a:r>
+              <a:rPr lang="zh-CN" altLang="en-US" dirty="0" smtClean="0"/>
+              <a:t>按位异或  </a:t>
+            </a:r>
+            <a:r>
+              <a:rPr lang="en-US" altLang="zh-CN" dirty="0" smtClean="0"/>
+              <a:t>^</a:t>
+            </a:r>
+            <a:endParaRPr lang="en-US" altLang="zh-CN" dirty="0" smtClean="0"/>
+          </a:p>
+          <a:p>
+            <a:r>
+              <a:rPr lang="en-US" altLang="zh-CN" dirty="0"/>
+              <a:t> </a:t>
+            </a:r>
+            <a:r>
+              <a:rPr lang="en-US" altLang="zh-CN" dirty="0" smtClean="0"/>
+              <a:t>    d.</a:t>
+            </a:r>
+            <a:r>
+              <a:rPr lang="zh-CN" altLang="en-US" dirty="0" smtClean="0"/>
+              <a:t>按位非      </a:t>
+            </a:r>
+            <a:r>
+              <a:rPr lang="en-US" altLang="zh-CN" dirty="0" smtClean="0"/>
+              <a:t>~</a:t>
+            </a:r>
+            <a:endParaRPr lang="en-US" altLang="zh-CN" dirty="0" smtClean="0"/>
+          </a:p>
+          <a:p>
+            <a:r>
+              <a:rPr lang="en-US" altLang="zh-CN" dirty="0"/>
+              <a:t> </a:t>
+            </a:r>
+            <a:r>
+              <a:rPr lang="en-US" altLang="zh-CN" dirty="0" smtClean="0"/>
+              <a:t>    e.</a:t>
+            </a:r>
+            <a:r>
+              <a:rPr lang="zh-CN" altLang="en-US" dirty="0" smtClean="0"/>
+              <a:t>左移          </a:t>
+            </a:r>
+            <a:r>
+              <a:rPr lang="en-US" altLang="zh-CN" dirty="0" smtClean="0"/>
+              <a:t>&lt;&lt;</a:t>
+            </a:r>
+            <a:endParaRPr lang="en-US" altLang="zh-CN" dirty="0" smtClean="0"/>
+          </a:p>
+          <a:p>
+            <a:r>
+              <a:rPr lang="en-US" altLang="zh-CN" dirty="0"/>
+              <a:t> </a:t>
+            </a:r>
+            <a:r>
+              <a:rPr lang="en-US" altLang="zh-CN" dirty="0" smtClean="0"/>
+              <a:t>     f.</a:t>
+            </a:r>
+            <a:r>
+              <a:rPr lang="zh-CN" altLang="en-US" dirty="0" smtClean="0"/>
+              <a:t>右移          </a:t>
+            </a:r>
+            <a:r>
+              <a:rPr lang="en-US" altLang="zh-CN" dirty="0" smtClean="0"/>
+              <a:t>&gt;&gt;</a:t>
+            </a:r>
+            <a:endParaRPr lang="zh-CN" altLang="en-US" dirty="0"/>
           </a:p>
         </p:txBody>
       </p:sp>
@@ -3666,16 +5735,23 @@
   <p:clrMapOvr>
     <a:masterClrMapping/>
   </p:clrMapOvr>
+  <p:timing>
+    <p:tnLst>
+      <p:par>
+        <p:cTn id="1" dur="indefinite" restart="never" nodeType="tmRoot"/>
+      </p:par>
+    </p:tnLst>
+  </p:timing>
 </p:sld>
 </file>
 
-<file path=ppt/slides/slide2.xml><?xml version="1.0" encoding="utf-8"?>
+<file path=ppt/slides/slide7.xml><?xml version="1.0" encoding="utf-8"?>
 <p:sld xmlns:a="http://schemas.openxmlformats.org/drawingml/2006/main" xmlns:r="http://schemas.openxmlformats.org/officeDocument/2006/relationships" xmlns:p="http://schemas.openxmlformats.org/presentationml/2006/main">
   <p:cSld>
     <p:bg>
       <p:bgPr>
         <a:blipFill rotWithShape="1">
-          <a:blip r:embed="rId2"/>
+          <a:blip r:embed="rId1"/>
           <a:stretch>
             <a:fillRect/>
           </a:stretch>
@@ -3705,8 +5781,8 @@
         </p:nvSpPr>
         <p:spPr>
           <a:xfrm>
-            <a:off x="147144" y="735723"/>
-            <a:ext cx="3562770" cy="369332"/>
+            <a:off x="252249" y="756744"/>
+            <a:ext cx="1221809" cy="369332"/>
           </a:xfrm>
           <a:prstGeom prst="rect">
             <a:avLst/>
@@ -3720,24 +5796,12 @@
           <a:lstStyle/>
           <a:p>
             <a:r>
-              <a:rPr lang="zh-CN" altLang="en-US" dirty="0" smtClean="0"/>
-              <a:t>一、在</a:t>
-            </a:r>
-            <a:r>
-              <a:rPr lang="en-US" altLang="zh-CN" dirty="0" smtClean="0"/>
-              <a:t>HTML</a:t>
-            </a:r>
-            <a:r>
-              <a:rPr lang="zh-CN" altLang="en-US" dirty="0" smtClean="0"/>
-              <a:t>文件中使用</a:t>
-            </a:r>
-            <a:r>
-              <a:rPr lang="en-US" altLang="zh-CN" dirty="0" smtClean="0"/>
-              <a:t>script</a:t>
-            </a:r>
-            <a:r>
-              <a:rPr lang="zh-CN" altLang="en-US" dirty="0" smtClean="0"/>
-              <a:t>标签</a:t>
+              <a:rPr lang="en-US" altLang="zh-CN" dirty="0" smtClean="0"/>
+              <a:t>4.1 </a:t>
+            </a:r>
+            <a:r>
+              <a:rPr lang="zh-CN" altLang="en-US" dirty="0" smtClean="0"/>
+              <a:t>字符串</a:t>
             </a:r>
             <a:endParaRPr lang="zh-CN" altLang="en-US" dirty="0"/>
           </a:p>
@@ -3745,14 +5809,14 @@
       </p:sp>
       <p:sp>
         <p:nvSpPr>
-          <p:cNvPr id="4" name="文本框 3"/>
+          <p:cNvPr id="3" name="文本框 2"/>
           <p:cNvSpPr txBox="1"/>
           <p:nvPr/>
         </p:nvSpPr>
         <p:spPr>
           <a:xfrm>
-            <a:off x="599089" y="1261241"/>
-            <a:ext cx="2375971" cy="369332"/>
+            <a:off x="610905" y="1126076"/>
+            <a:ext cx="3961095" cy="646331"/>
           </a:xfrm>
           <a:prstGeom prst="rect">
             <a:avLst/>
@@ -3760,231 +5824,101 @@
           <a:noFill/>
         </p:spPr>
         <p:txBody>
-          <a:bodyPr wrap="none" rtlCol="0">
+          <a:bodyPr wrap="square" rtlCol="0">
             <a:spAutoFit/>
           </a:bodyPr>
           <a:lstStyle/>
           <a:p>
             <a:r>
               <a:rPr lang="en-US" altLang="zh-CN" dirty="0" smtClean="0"/>
-              <a:t>1.1 </a:t>
-            </a:r>
-            <a:r>
-              <a:rPr lang="zh-CN" altLang="en-US" dirty="0" smtClean="0"/>
-              <a:t>标签的内置与外链</a:t>
+              <a:t>String</a:t>
+            </a:r>
+            <a:r>
+              <a:rPr lang="zh-CN" altLang="en-US" dirty="0" smtClean="0"/>
+              <a:t>类型是唯一没有固定大小的原始数据类型</a:t>
+            </a:r>
+            <a:r>
+              <a:rPr lang="en-US" altLang="zh-CN" dirty="0" smtClean="0"/>
+              <a:t>,</a:t>
+            </a:r>
+            <a:r>
+              <a:rPr lang="zh-CN" altLang="en-US" dirty="0" smtClean="0"/>
+              <a:t>可用单引号或双引号包围。</a:t>
             </a:r>
             <a:endParaRPr lang="zh-CN" altLang="en-US" dirty="0"/>
           </a:p>
         </p:txBody>
       </p:sp>
-      <p:sp>
-        <p:nvSpPr>
-          <p:cNvPr id="5" name="文本框 4"/>
-          <p:cNvSpPr txBox="1"/>
+      <p:pic>
+        <p:nvPicPr>
+          <p:cNvPr id="4" name="图片 3"/>
+          <p:cNvPicPr>
+            <a:picLocks noChangeAspect="1"/>
+          </p:cNvPicPr>
           <p:nvPr/>
-        </p:nvSpPr>
-        <p:spPr>
-          <a:xfrm>
-            <a:off x="1145628" y="1786759"/>
-            <a:ext cx="9932275" cy="923330"/>
+        </p:nvPicPr>
+        <p:blipFill>
+          <a:blip r:embed="rId2"/>
+          <a:stretch>
+            <a:fillRect/>
+          </a:stretch>
+        </p:blipFill>
+        <p:spPr>
+          <a:xfrm>
+            <a:off x="5078467" y="0"/>
+            <a:ext cx="7029450" cy="6747641"/>
           </a:xfrm>
           <a:prstGeom prst="rect">
             <a:avLst/>
           </a:prstGeom>
-          <a:noFill/>
-        </p:spPr>
-        <p:txBody>
-          <a:bodyPr wrap="square" rtlCol="0">
-            <a:spAutoFit/>
-          </a:bodyPr>
-          <a:lstStyle/>
-          <a:p>
-            <a:r>
-              <a:rPr lang="en-US" altLang="zh-CN" dirty="0" smtClean="0"/>
-              <a:t>    script</a:t>
-            </a:r>
-            <a:r>
-              <a:rPr lang="zh-CN" altLang="en-US" dirty="0" smtClean="0"/>
-              <a:t>标签在</a:t>
-            </a:r>
-            <a:r>
-              <a:rPr lang="en-US" altLang="zh-CN" dirty="0" smtClean="0"/>
-              <a:t>html</a:t>
-            </a:r>
-            <a:r>
-              <a:rPr lang="zh-CN" altLang="en-US" dirty="0" smtClean="0"/>
-              <a:t>文件中，有两种存在方式。一种是以标签的</a:t>
-            </a:r>
-            <a:r>
-              <a:rPr lang="en-US" altLang="zh-CN" dirty="0" err="1" smtClean="0">
-                <a:solidFill>
-                  <a:srgbClr val="FF0000"/>
-                </a:solidFill>
-              </a:rPr>
-              <a:t>src</a:t>
-            </a:r>
-            <a:r>
-              <a:rPr lang="zh-CN" altLang="en-US" dirty="0" smtClean="0"/>
-              <a:t>属性外链绝对路径或相对路径的形式，另一种是封闭标签内包含代码的形式。推荐外链的形式，做到</a:t>
-            </a:r>
-            <a:r>
-              <a:rPr lang="en-US" altLang="zh-CN" dirty="0" smtClean="0"/>
-              <a:t>HTML</a:t>
-            </a:r>
-            <a:r>
-              <a:rPr lang="zh-CN" altLang="en-US" dirty="0" smtClean="0"/>
-              <a:t>标签与脚本代码分离。以便于后期的代码维护。</a:t>
-            </a:r>
-            <a:endParaRPr lang="zh-CN" altLang="en-US" dirty="0"/>
-          </a:p>
-        </p:txBody>
-      </p:sp>
-      <p:sp>
-        <p:nvSpPr>
-          <p:cNvPr id="6" name="文本框 5"/>
-          <p:cNvSpPr txBox="1"/>
+        </p:spPr>
+      </p:pic>
+      <p:pic>
+        <p:nvPicPr>
+          <p:cNvPr id="5" name="图片 4"/>
+          <p:cNvPicPr>
+            <a:picLocks noChangeAspect="1"/>
+          </p:cNvPicPr>
           <p:nvPr/>
-        </p:nvSpPr>
-        <p:spPr>
-          <a:xfrm>
-            <a:off x="599089" y="3318220"/>
-            <a:ext cx="1683474" cy="369332"/>
+        </p:nvPicPr>
+        <p:blipFill>
+          <a:blip r:embed="rId3"/>
+          <a:stretch>
+            <a:fillRect/>
+          </a:stretch>
+        </p:blipFill>
+        <p:spPr>
+          <a:xfrm>
+            <a:off x="316296" y="2141739"/>
+            <a:ext cx="4508937" cy="2241330"/>
           </a:xfrm>
           <a:prstGeom prst="rect">
             <a:avLst/>
           </a:prstGeom>
-          <a:noFill/>
-        </p:spPr>
-        <p:txBody>
-          <a:bodyPr wrap="none" rtlCol="0">
-            <a:spAutoFit/>
-          </a:bodyPr>
-          <a:lstStyle/>
-          <a:p>
-            <a:r>
-              <a:rPr lang="en-US" altLang="zh-CN" dirty="0" smtClean="0"/>
-              <a:t>1.2 </a:t>
-            </a:r>
-            <a:r>
-              <a:rPr lang="zh-CN" altLang="en-US" dirty="0" smtClean="0"/>
-              <a:t>标签的位置</a:t>
-            </a:r>
-            <a:endParaRPr lang="zh-CN" altLang="en-US" dirty="0"/>
-          </a:p>
-        </p:txBody>
-      </p:sp>
-      <p:sp>
-        <p:nvSpPr>
-          <p:cNvPr id="8" name="文本框 7"/>
-          <p:cNvSpPr txBox="1"/>
-          <p:nvPr/>
-        </p:nvSpPr>
-        <p:spPr>
-          <a:xfrm>
-            <a:off x="1229709" y="3936071"/>
-            <a:ext cx="9637987" cy="923330"/>
-          </a:xfrm>
-          <a:prstGeom prst="rect">
-            <a:avLst/>
-          </a:prstGeom>
-          <a:noFill/>
-        </p:spPr>
-        <p:txBody>
-          <a:bodyPr wrap="square" rtlCol="0">
-            <a:spAutoFit/>
-          </a:bodyPr>
-          <a:lstStyle/>
-          <a:p>
-            <a:r>
-              <a:rPr lang="en-US" altLang="zh-CN" dirty="0" smtClean="0"/>
-              <a:t> script</a:t>
-            </a:r>
-            <a:r>
-              <a:rPr lang="zh-CN" altLang="en-US" dirty="0" smtClean="0"/>
-              <a:t>标签作为</a:t>
-            </a:r>
-            <a:r>
-              <a:rPr lang="en-US" altLang="zh-CN" dirty="0" smtClean="0"/>
-              <a:t>DOM</a:t>
-            </a:r>
-            <a:r>
-              <a:rPr lang="zh-CN" altLang="en-US" dirty="0" smtClean="0"/>
-              <a:t>节点存在于</a:t>
-            </a:r>
-            <a:r>
-              <a:rPr lang="en-US" altLang="zh-CN" dirty="0" smtClean="0"/>
-              <a:t>HTML</a:t>
-            </a:r>
-            <a:r>
-              <a:rPr lang="zh-CN" altLang="en-US" dirty="0" smtClean="0"/>
-              <a:t>文档中，一般位于</a:t>
-            </a:r>
-            <a:r>
-              <a:rPr lang="en-US" altLang="zh-CN" dirty="0" smtClean="0"/>
-              <a:t>head</a:t>
-            </a:r>
-            <a:r>
-              <a:rPr lang="zh-CN" altLang="en-US" dirty="0" smtClean="0"/>
-              <a:t>标签内，</a:t>
-            </a:r>
-            <a:r>
-              <a:rPr lang="en-US" altLang="zh-CN" dirty="0" smtClean="0"/>
-              <a:t>style</a:t>
-            </a:r>
-            <a:r>
-              <a:rPr lang="zh-CN" altLang="en-US" dirty="0" smtClean="0"/>
-              <a:t>标签之后，按照依赖关系从上到下放置。也可把业务逻辑代码置于</a:t>
-            </a:r>
-            <a:r>
-              <a:rPr lang="en-US" altLang="zh-CN" dirty="0" smtClean="0"/>
-              <a:t>body</a:t>
-            </a:r>
-            <a:r>
-              <a:rPr lang="zh-CN" altLang="en-US" dirty="0" smtClean="0"/>
-              <a:t>中，放在</a:t>
-            </a:r>
-            <a:r>
-              <a:rPr lang="en-US" altLang="zh-CN" dirty="0" smtClean="0"/>
-              <a:t>body</a:t>
-            </a:r>
-            <a:r>
-              <a:rPr lang="zh-CN" altLang="en-US" dirty="0" smtClean="0"/>
-              <a:t>的最后一个直接子元素标签后。</a:t>
-            </a:r>
-            <a:endParaRPr lang="en-US" altLang="zh-CN" dirty="0" smtClean="0"/>
-          </a:p>
-          <a:p>
-            <a:r>
-              <a:rPr lang="zh-CN" altLang="en-US" dirty="0" smtClean="0"/>
-              <a:t>推荐把脚本标签置于</a:t>
-            </a:r>
-            <a:r>
-              <a:rPr lang="en-US" altLang="zh-CN" dirty="0" smtClean="0"/>
-              <a:t>body</a:t>
-            </a:r>
-            <a:r>
-              <a:rPr lang="zh-CN" altLang="en-US" dirty="0" smtClean="0"/>
-              <a:t>的最后一个直接子元素之后，以提高页面的响应速度。</a:t>
-            </a:r>
-            <a:endParaRPr lang="zh-CN" altLang="en-US" dirty="0"/>
-          </a:p>
-        </p:txBody>
-      </p:sp>
+        </p:spPr>
+      </p:pic>
     </p:spTree>
   </p:cSld>
   <p:clrMapOvr>
     <a:masterClrMapping/>
   </p:clrMapOvr>
+  <p:timing>
+    <p:tnLst>
+      <p:par>
+        <p:cTn id="1" dur="indefinite" restart="never" nodeType="tmRoot"/>
+      </p:par>
+    </p:tnLst>
+  </p:timing>
 </p:sld>
 </file>
 
-<file path=ppt/slides/slide3.xml><?xml version="1.0" encoding="utf-8"?>
+<file path=ppt/slides/slide8.xml><?xml version="1.0" encoding="utf-8"?>
 <p:sld xmlns:a="http://schemas.openxmlformats.org/drawingml/2006/main" xmlns:r="http://schemas.openxmlformats.org/officeDocument/2006/relationships" xmlns:p="http://schemas.openxmlformats.org/presentationml/2006/main">
   <p:cSld>
     <p:bg>
       <p:bgPr>
         <a:blipFill rotWithShape="1">
-          <a:blip r:embed="rId2"/>
+          <a:blip r:embed="rId1"/>
           <a:stretch>
             <a:fillRect/>
           </a:stretch>
@@ -4008,14 +5942,14 @@
       </p:grpSpPr>
       <p:sp>
         <p:nvSpPr>
-          <p:cNvPr id="2" name="文本框 1"/>
+          <p:cNvPr id="3" name="文本框 2"/>
           <p:cNvSpPr txBox="1"/>
           <p:nvPr/>
         </p:nvSpPr>
         <p:spPr>
           <a:xfrm>
-            <a:off x="220717" y="756745"/>
-            <a:ext cx="5013434" cy="369332"/>
+            <a:off x="252248" y="777766"/>
+            <a:ext cx="1177159" cy="369332"/>
           </a:xfrm>
           <a:prstGeom prst="rect">
             <a:avLst/>
@@ -4029,60 +5963,278 @@
           <a:lstStyle/>
           <a:p>
             <a:r>
-              <a:rPr lang="zh-CN" altLang="en-US" dirty="0" smtClean="0"/>
-              <a:t>二、</a:t>
-            </a:r>
-            <a:r>
-              <a:rPr lang="en-US" altLang="zh-CN" dirty="0" smtClean="0"/>
-              <a:t>JavaScript</a:t>
-            </a:r>
-            <a:r>
-              <a:rPr lang="zh-CN" altLang="en-US" dirty="0" smtClean="0"/>
-              <a:t>的数据类型</a:t>
+              <a:rPr lang="en-US" altLang="zh-CN" dirty="0" smtClean="0"/>
+              <a:t>4.2 </a:t>
+            </a:r>
+            <a:r>
+              <a:rPr lang="zh-CN" altLang="en-US" dirty="0" smtClean="0"/>
+              <a:t>对象</a:t>
             </a:r>
             <a:endParaRPr lang="zh-CN" altLang="en-US" dirty="0"/>
           </a:p>
         </p:txBody>
       </p:sp>
-      <p:pic>
-        <p:nvPicPr>
-          <p:cNvPr id="3" name="图片 2"/>
-          <p:cNvPicPr>
-            <a:picLocks noChangeAspect="1"/>
-          </p:cNvPicPr>
+      <p:sp>
+        <p:nvSpPr>
+          <p:cNvPr id="4" name="文本框 3"/>
+          <p:cNvSpPr txBox="1"/>
           <p:nvPr/>
-        </p:nvPicPr>
-        <p:blipFill>
-          <a:blip r:embed="rId3"/>
-          <a:stretch>
-            <a:fillRect/>
-          </a:stretch>
-        </p:blipFill>
-        <p:spPr>
-          <a:xfrm>
-            <a:off x="491852" y="1126077"/>
-            <a:ext cx="9650631" cy="5243191"/>
+        </p:nvSpPr>
+        <p:spPr>
+          <a:xfrm>
+            <a:off x="748461" y="1147098"/>
+            <a:ext cx="5856796" cy="923330"/>
           </a:xfrm>
           <a:prstGeom prst="rect">
             <a:avLst/>
           </a:prstGeom>
-        </p:spPr>
-      </p:pic>
+          <a:noFill/>
+        </p:spPr>
+        <p:txBody>
+          <a:bodyPr wrap="none" rtlCol="0">
+            <a:spAutoFit/>
+          </a:bodyPr>
+          <a:lstStyle/>
+          <a:p>
+            <a:r>
+              <a:rPr lang="zh-CN" altLang="en-US" dirty="0" smtClean="0"/>
+              <a:t>❶  创建对象的方式</a:t>
+            </a:r>
+            <a:endParaRPr lang="en-US" altLang="zh-CN" dirty="0" smtClean="0"/>
+          </a:p>
+          <a:p>
+            <a:r>
+              <a:rPr lang="en-US" altLang="zh-CN" dirty="0"/>
+              <a:t> </a:t>
+            </a:r>
+            <a:r>
+              <a:rPr lang="en-US" altLang="zh-CN" dirty="0" smtClean="0"/>
+              <a:t>      a.</a:t>
+            </a:r>
+            <a:r>
+              <a:rPr lang="zh-CN" altLang="en-US" dirty="0" smtClean="0"/>
+              <a:t>以</a:t>
+            </a:r>
+            <a:r>
+              <a:rPr lang="en-US" altLang="zh-CN" dirty="0" smtClean="0"/>
+              <a:t>new</a:t>
+            </a:r>
+            <a:r>
+              <a:rPr lang="zh-CN" altLang="en-US" dirty="0" smtClean="0"/>
+              <a:t>操作符方式创建对象 。</a:t>
+            </a:r>
+            <a:r>
+              <a:rPr lang="en-US" altLang="zh-CN" dirty="0" smtClean="0"/>
+              <a:t>var obj = new Object();</a:t>
+            </a:r>
+            <a:endParaRPr lang="en-US" altLang="zh-CN" dirty="0" smtClean="0"/>
+          </a:p>
+          <a:p>
+            <a:r>
+              <a:rPr lang="en-US" altLang="zh-CN" dirty="0"/>
+              <a:t> </a:t>
+            </a:r>
+            <a:r>
+              <a:rPr lang="en-US" altLang="zh-CN" dirty="0" smtClean="0"/>
+              <a:t>      b.</a:t>
+            </a:r>
+            <a:r>
+              <a:rPr lang="zh-CN" altLang="en-US" dirty="0" smtClean="0"/>
+              <a:t>以对象字面量方式创建对象。</a:t>
+            </a:r>
+            <a:r>
+              <a:rPr lang="en-US" altLang="zh-CN" dirty="0" smtClean="0"/>
+              <a:t>var obj = {};</a:t>
+            </a:r>
+            <a:endParaRPr lang="zh-CN" altLang="en-US" dirty="0"/>
+          </a:p>
+        </p:txBody>
+      </p:sp>
+      <p:sp>
+        <p:nvSpPr>
+          <p:cNvPr id="5" name="文本框 4"/>
+          <p:cNvSpPr txBox="1"/>
+          <p:nvPr/>
+        </p:nvSpPr>
+        <p:spPr>
+          <a:xfrm>
+            <a:off x="748461" y="2744275"/>
+            <a:ext cx="6840008" cy="923330"/>
+          </a:xfrm>
+          <a:prstGeom prst="rect">
+            <a:avLst/>
+          </a:prstGeom>
+          <a:noFill/>
+        </p:spPr>
+        <p:txBody>
+          <a:bodyPr wrap="square" rtlCol="0">
+            <a:spAutoFit/>
+          </a:bodyPr>
+          <a:lstStyle/>
+          <a:p>
+            <a:r>
+              <a:rPr lang="zh-CN" altLang="en-US" dirty="0" smtClean="0"/>
+              <a:t>❷ 对象属性的访问方式</a:t>
+            </a:r>
+            <a:endParaRPr lang="en-US" altLang="zh-CN" dirty="0" smtClean="0"/>
+          </a:p>
+          <a:p>
+            <a:r>
+              <a:rPr lang="en-US" altLang="zh-CN" dirty="0" smtClean="0"/>
+              <a:t>       a.</a:t>
+            </a:r>
+            <a:r>
+              <a:rPr lang="zh-CN" altLang="en-US" dirty="0" smtClean="0"/>
+              <a:t>使用“</a:t>
+            </a:r>
+            <a:r>
+              <a:rPr lang="en-US" altLang="zh-CN" dirty="0" smtClean="0"/>
+              <a:t>.</a:t>
+            </a:r>
+            <a:r>
+              <a:rPr lang="zh-CN" altLang="en-US" dirty="0" smtClean="0"/>
+              <a:t>”操作符访问符来访问。如</a:t>
+            </a:r>
+            <a:r>
+              <a:rPr lang="en-US" altLang="zh-CN" dirty="0" smtClean="0"/>
+              <a:t>obj.toString();</a:t>
+            </a:r>
+            <a:endParaRPr lang="en-US" altLang="zh-CN" dirty="0" smtClean="0"/>
+          </a:p>
+          <a:p>
+            <a:r>
+              <a:rPr lang="en-US" altLang="zh-CN" dirty="0"/>
+              <a:t> </a:t>
+            </a:r>
+            <a:r>
+              <a:rPr lang="en-US" altLang="zh-CN" dirty="0" smtClean="0"/>
+              <a:t>      b.</a:t>
+            </a:r>
+            <a:r>
+              <a:rPr lang="zh-CN" altLang="en-US" dirty="0" smtClean="0"/>
+              <a:t>使用下标操作符“</a:t>
+            </a:r>
+            <a:r>
+              <a:rPr lang="en-US" altLang="zh-CN" dirty="0" smtClean="0"/>
+              <a:t>[]</a:t>
+            </a:r>
+            <a:r>
+              <a:rPr lang="zh-CN" altLang="en-US" dirty="0" smtClean="0"/>
+              <a:t>”来访问。如</a:t>
+            </a:r>
+            <a:r>
+              <a:rPr lang="en-US" altLang="zh-CN" dirty="0" smtClean="0"/>
+              <a:t>obj[“toString”]();</a:t>
+            </a:r>
+            <a:endParaRPr lang="zh-CN" altLang="en-US" dirty="0"/>
+          </a:p>
+        </p:txBody>
+      </p:sp>
+      <p:sp>
+        <p:nvSpPr>
+          <p:cNvPr id="8" name="文本框 7"/>
+          <p:cNvSpPr txBox="1"/>
+          <p:nvPr/>
+        </p:nvSpPr>
+        <p:spPr>
+          <a:xfrm>
+            <a:off x="650993" y="4450001"/>
+            <a:ext cx="6051732" cy="646331"/>
+          </a:xfrm>
+          <a:prstGeom prst="rect">
+            <a:avLst/>
+          </a:prstGeom>
+          <a:noFill/>
+        </p:spPr>
+        <p:txBody>
+          <a:bodyPr wrap="square" rtlCol="0">
+            <a:spAutoFit/>
+          </a:bodyPr>
+          <a:lstStyle/>
+          <a:p>
+            <a:r>
+              <a:rPr lang="zh-CN" altLang="en-US" dirty="0" smtClean="0"/>
+              <a:t>❸对象属性的扩展方法</a:t>
+            </a:r>
+            <a:endParaRPr lang="en-US" altLang="zh-CN" dirty="0" smtClean="0"/>
+          </a:p>
+          <a:p>
+            <a:r>
+              <a:rPr lang="en-US" altLang="zh-CN" dirty="0"/>
+              <a:t> </a:t>
+            </a:r>
+            <a:r>
+              <a:rPr lang="en-US" altLang="zh-CN" dirty="0" smtClean="0"/>
+              <a:t>     a.</a:t>
+            </a:r>
+            <a:r>
+              <a:rPr lang="zh-CN" altLang="en-US" dirty="0" smtClean="0"/>
+              <a:t>使用对象变量名加属性名来扩展。如</a:t>
+            </a:r>
+            <a:r>
+              <a:rPr lang="en-US" altLang="zh-CN" dirty="0" smtClean="0"/>
+              <a:t>obj.name=“dog”;</a:t>
+            </a:r>
+            <a:endParaRPr lang="zh-CN" altLang="en-US" dirty="0"/>
+          </a:p>
+        </p:txBody>
+      </p:sp>
+      <p:sp>
+        <p:nvSpPr>
+          <p:cNvPr id="9" name="文本框 8"/>
+          <p:cNvSpPr txBox="1"/>
+          <p:nvPr/>
+        </p:nvSpPr>
+        <p:spPr>
+          <a:xfrm>
+            <a:off x="686665" y="5770179"/>
+            <a:ext cx="5980387" cy="369332"/>
+          </a:xfrm>
+          <a:prstGeom prst="rect">
+            <a:avLst/>
+          </a:prstGeom>
+          <a:noFill/>
+        </p:spPr>
+        <p:txBody>
+          <a:bodyPr wrap="square" rtlCol="0">
+            <a:spAutoFit/>
+          </a:bodyPr>
+          <a:lstStyle/>
+          <a:p>
+            <a:r>
+              <a:rPr lang="zh-CN" altLang="en-US" dirty="0" smtClean="0"/>
+              <a:t>❹对象属性的遍历方法   </a:t>
+            </a:r>
+            <a:r>
+              <a:rPr lang="en-US" altLang="zh-CN" dirty="0" smtClean="0"/>
+              <a:t>for  … in</a:t>
+            </a:r>
+            <a:endParaRPr lang="zh-CN" altLang="en-US" dirty="0"/>
+          </a:p>
+        </p:txBody>
+      </p:sp>
     </p:spTree>
   </p:cSld>
   <p:clrMapOvr>
     <a:masterClrMapping/>
   </p:clrMapOvr>
+  <p:timing>
+    <p:tnLst>
+      <p:par>
+        <p:cTn id="1" dur="indefinite" restart="never" nodeType="tmRoot"/>
+      </p:par>
+    </p:tnLst>
+  </p:timing>
 </p:sld>
 </file>
 
-<file path=ppt/slides/slide4.xml><?xml version="1.0" encoding="utf-8"?>
+<file path=ppt/slides/slide9.xml><?xml version="1.0" encoding="utf-8"?>
 <p:sld xmlns:a="http://schemas.openxmlformats.org/drawingml/2006/main" xmlns:r="http://schemas.openxmlformats.org/officeDocument/2006/relationships" xmlns:p="http://schemas.openxmlformats.org/presentationml/2006/main">
   <p:cSld>
     <p:bg>
       <p:bgPr>
         <a:blipFill rotWithShape="1">
-          <a:blip r:embed="rId2"/>
+          <a:blip r:embed="rId1"/>
           <a:stretch>
             <a:fillRect/>
           </a:stretch>
@@ -4112,8 +6264,8 @@
         </p:nvSpPr>
         <p:spPr>
           <a:xfrm>
-            <a:off x="210207" y="798785"/>
-            <a:ext cx="3647089" cy="369332"/>
+            <a:off x="241737" y="735724"/>
+            <a:ext cx="1043876" cy="369332"/>
           </a:xfrm>
           <a:prstGeom prst="rect">
             <a:avLst/>
@@ -4121,18 +6273,18 @@
           <a:noFill/>
         </p:spPr>
         <p:txBody>
-          <a:bodyPr wrap="square" rtlCol="0">
+          <a:bodyPr wrap="none" rtlCol="0">
             <a:spAutoFit/>
           </a:bodyPr>
           <a:lstStyle/>
           <a:p>
             <a:r>
               <a:rPr lang="en-US" altLang="zh-CN" dirty="0" smtClean="0"/>
-              <a:t>2.1 </a:t>
-            </a:r>
-            <a:r>
-              <a:rPr lang="zh-CN" altLang="en-US" dirty="0" smtClean="0"/>
-              <a:t>关于数据类型的几点说明</a:t>
+              <a:t>4.3  </a:t>
+            </a:r>
+            <a:r>
+              <a:rPr lang="zh-CN" altLang="en-US" dirty="0" smtClean="0"/>
+              <a:t>数组</a:t>
             </a:r>
             <a:endParaRPr lang="zh-CN" altLang="en-US" dirty="0"/>
           </a:p>
@@ -4146,8 +6298,8 @@
         </p:nvSpPr>
         <p:spPr>
           <a:xfrm>
-            <a:off x="767254" y="1313793"/>
-            <a:ext cx="10016359" cy="646331"/>
+            <a:off x="241737" y="1303284"/>
+            <a:ext cx="5801712" cy="923330"/>
           </a:xfrm>
           <a:prstGeom prst="rect">
             <a:avLst/>
@@ -4162,421 +6314,82 @@
           <a:p>
             <a:r>
               <a:rPr lang="zh-CN" altLang="en-US" dirty="0" smtClean="0"/>
-              <a:t>①除了以上几种类型外，还有</a:t>
-            </a:r>
-            <a:r>
-              <a:rPr lang="en-US" altLang="zh-CN" dirty="0" smtClean="0"/>
-              <a:t>Null</a:t>
-            </a:r>
-            <a:r>
-              <a:rPr lang="zh-CN" altLang="en-US" dirty="0" smtClean="0"/>
-              <a:t>，</a:t>
-            </a:r>
-            <a:r>
-              <a:rPr lang="en-US" altLang="zh-CN" dirty="0" smtClean="0"/>
-              <a:t>Undefined</a:t>
-            </a:r>
-            <a:r>
-              <a:rPr lang="zh-CN" altLang="en-US" dirty="0" smtClean="0"/>
-              <a:t>两种类型，</a:t>
-            </a:r>
-            <a:r>
-              <a:rPr lang="en-US" altLang="zh-CN" dirty="0" smtClean="0"/>
-              <a:t>Null</a:t>
-            </a:r>
-            <a:r>
-              <a:rPr lang="zh-CN" altLang="en-US" dirty="0" smtClean="0"/>
-              <a:t>类型只有一个值</a:t>
-            </a:r>
-            <a:r>
-              <a:rPr lang="en-US" altLang="zh-CN" dirty="0" smtClean="0"/>
-              <a:t>null</a:t>
-            </a:r>
-            <a:r>
-              <a:rPr lang="zh-CN" altLang="en-US" dirty="0" smtClean="0"/>
-              <a:t>，</a:t>
-            </a:r>
-            <a:r>
-              <a:rPr lang="en-US" altLang="zh-CN" dirty="0" smtClean="0"/>
-              <a:t>Undefined</a:t>
-            </a:r>
-            <a:r>
-              <a:rPr lang="zh-CN" altLang="en-US" dirty="0" smtClean="0"/>
-              <a:t>类型也只有一个值</a:t>
-            </a:r>
-            <a:r>
-              <a:rPr lang="en-US" altLang="zh-CN" dirty="0" smtClean="0"/>
-              <a:t>undefined</a:t>
-            </a:r>
-            <a:r>
-              <a:rPr lang="zh-CN" altLang="en-US" dirty="0" smtClean="0"/>
-              <a:t>，且</a:t>
-            </a:r>
-            <a:r>
-              <a:rPr lang="en-US" altLang="zh-CN" dirty="0" smtClean="0"/>
-              <a:t>undefined</a:t>
-            </a:r>
-            <a:r>
-              <a:rPr lang="zh-CN" altLang="en-US" dirty="0" smtClean="0"/>
-              <a:t>派生于</a:t>
-            </a:r>
-            <a:r>
-              <a:rPr lang="en-US" altLang="zh-CN" dirty="0" smtClean="0"/>
-              <a:t>null</a:t>
-            </a:r>
-            <a:r>
-              <a:rPr lang="zh-CN" altLang="en-US" dirty="0"/>
-              <a:t>，</a:t>
-            </a:r>
-            <a:r>
-              <a:rPr lang="en-US" altLang="zh-CN" dirty="0" smtClean="0"/>
-              <a:t>Undefined == null </a:t>
-            </a:r>
-            <a:r>
-              <a:rPr lang="zh-CN" altLang="en-US" dirty="0" smtClean="0"/>
-              <a:t>会返回</a:t>
-            </a:r>
-            <a:r>
-              <a:rPr lang="en-US" altLang="zh-CN" dirty="0" smtClean="0"/>
-              <a:t>true</a:t>
-            </a:r>
-            <a:r>
-              <a:rPr lang="zh-CN" altLang="en-US" dirty="0" smtClean="0"/>
-              <a:t>。</a:t>
+              <a:t>❶ 数组的创建方式</a:t>
+            </a:r>
+            <a:endParaRPr lang="en-US" altLang="zh-CN" dirty="0" smtClean="0"/>
+          </a:p>
+          <a:p>
+            <a:r>
+              <a:rPr lang="en-US" altLang="zh-CN" dirty="0"/>
+              <a:t> </a:t>
+            </a:r>
+            <a:r>
+              <a:rPr lang="en-US" altLang="zh-CN" dirty="0" smtClean="0"/>
+              <a:t>     a.</a:t>
+            </a:r>
+            <a:r>
+              <a:rPr lang="zh-CN" altLang="en-US" dirty="0" smtClean="0"/>
+              <a:t>使用</a:t>
+            </a:r>
+            <a:r>
+              <a:rPr lang="en-US" altLang="zh-CN" dirty="0" smtClean="0"/>
+              <a:t>new</a:t>
+            </a:r>
+            <a:r>
+              <a:rPr lang="zh-CN" altLang="en-US" dirty="0" smtClean="0"/>
+              <a:t>操作符创建数组。</a:t>
+            </a:r>
+            <a:r>
+              <a:rPr lang="en-US" altLang="zh-CN" dirty="0" smtClean="0"/>
+              <a:t>var arr = new Array(1,2,3);</a:t>
+            </a:r>
+            <a:endParaRPr lang="en-US" altLang="zh-CN" dirty="0" smtClean="0"/>
+          </a:p>
+          <a:p>
+            <a:r>
+              <a:rPr lang="en-US" altLang="zh-CN" dirty="0"/>
+              <a:t> </a:t>
+            </a:r>
+            <a:r>
+              <a:rPr lang="en-US" altLang="zh-CN" dirty="0" smtClean="0"/>
+              <a:t>     b.</a:t>
+            </a:r>
+            <a:r>
+              <a:rPr lang="zh-CN" altLang="en-US" dirty="0" smtClean="0"/>
+              <a:t>以数组直接量创建数组。</a:t>
+            </a:r>
+            <a:r>
+              <a:rPr lang="en-US" altLang="zh-CN" dirty="0" smtClean="0"/>
+              <a:t>Var arr =[1,2,3];</a:t>
             </a:r>
             <a:endParaRPr lang="zh-CN" altLang="en-US" dirty="0"/>
           </a:p>
         </p:txBody>
       </p:sp>
-      <p:sp>
-        <p:nvSpPr>
-          <p:cNvPr id="4" name="文本框 3"/>
-          <p:cNvSpPr txBox="1"/>
+      <p:pic>
+        <p:nvPicPr>
+          <p:cNvPr id="4" name="图片 3"/>
+          <p:cNvPicPr>
+            <a:picLocks noChangeAspect="1"/>
+          </p:cNvPicPr>
           <p:nvPr/>
-        </p:nvSpPr>
-        <p:spPr>
-          <a:xfrm>
-            <a:off x="867101" y="2593904"/>
-            <a:ext cx="9816663" cy="923330"/>
-          </a:xfrm>
-          <a:prstGeom prst="rect">
-            <a:avLst/>
-          </a:prstGeom>
-          <a:noFill/>
-        </p:spPr>
-        <p:txBody>
-          <a:bodyPr wrap="square" rtlCol="0">
-            <a:spAutoFit/>
-          </a:bodyPr>
-          <a:lstStyle/>
-          <a:p>
-            <a:r>
-              <a:rPr lang="zh-CN" altLang="en-US" dirty="0" smtClean="0"/>
-              <a:t>②</a:t>
-            </a:r>
-            <a:r>
-              <a:rPr lang="en-US" altLang="zh-CN" dirty="0" smtClean="0"/>
-              <a:t>null</a:t>
-            </a:r>
-            <a:r>
-              <a:rPr lang="zh-CN" altLang="en-US" dirty="0" smtClean="0"/>
-              <a:t>的典型用法</a:t>
-            </a:r>
-            <a:r>
-              <a:rPr lang="en-US" altLang="zh-CN" dirty="0" smtClean="0"/>
-              <a:t>(</a:t>
-            </a:r>
-            <a:r>
-              <a:rPr lang="zh-CN" altLang="en-US" dirty="0"/>
-              <a:t>没有</a:t>
-            </a:r>
-            <a:r>
-              <a:rPr lang="zh-CN" altLang="en-US" dirty="0"/>
-              <a:t>对象，</a:t>
-            </a:r>
-            <a:r>
-              <a:rPr lang="zh-CN" altLang="en-US" dirty="0"/>
-              <a:t>即该处不应该有值</a:t>
-            </a:r>
-            <a:r>
-              <a:rPr lang="en-US" altLang="zh-CN" dirty="0" smtClean="0"/>
-              <a:t>)</a:t>
-            </a:r>
-            <a:r>
-              <a:rPr lang="zh-CN" altLang="en-US" dirty="0" smtClean="0"/>
-              <a:t>：</a:t>
-            </a:r>
-            <a:endParaRPr lang="en-US" altLang="zh-CN" dirty="0" smtClean="0"/>
-          </a:p>
-          <a:p>
-            <a:r>
-              <a:rPr lang="en-US" altLang="zh-CN" dirty="0"/>
-              <a:t>	</a:t>
-            </a:r>
-            <a:r>
-              <a:rPr lang="en-US" altLang="zh-CN" dirty="0" smtClean="0"/>
-              <a:t>a.</a:t>
-            </a:r>
-            <a:r>
-              <a:rPr lang="zh-CN" altLang="en-US" dirty="0"/>
-              <a:t>作为函数的参数，表示该函数的参数不是</a:t>
-            </a:r>
-            <a:r>
-              <a:rPr lang="zh-CN" altLang="en-US" dirty="0" smtClean="0"/>
-              <a:t>对象</a:t>
-            </a:r>
-            <a:endParaRPr lang="en-US" altLang="zh-CN" dirty="0" smtClean="0"/>
-          </a:p>
-          <a:p>
-            <a:r>
-              <a:rPr lang="en-US" altLang="zh-CN" dirty="0"/>
-              <a:t>	</a:t>
-            </a:r>
-            <a:r>
-              <a:rPr lang="en-US" altLang="zh-CN" dirty="0" smtClean="0"/>
-              <a:t>b.</a:t>
-            </a:r>
-            <a:r>
-              <a:rPr lang="zh-CN" altLang="en-US" dirty="0"/>
-              <a:t>作为对象原型链的终点</a:t>
-            </a:r>
-            <a:endParaRPr lang="zh-CN" altLang="en-US" dirty="0"/>
-          </a:p>
-        </p:txBody>
-      </p:sp>
-      <p:sp>
-        <p:nvSpPr>
-          <p:cNvPr id="5" name="文本框 4"/>
-          <p:cNvSpPr txBox="1"/>
-          <p:nvPr/>
-        </p:nvSpPr>
-        <p:spPr>
-          <a:xfrm>
-            <a:off x="867101" y="4309241"/>
-            <a:ext cx="9312166" cy="1477328"/>
-          </a:xfrm>
-          <a:prstGeom prst="rect">
-            <a:avLst/>
-          </a:prstGeom>
-          <a:noFill/>
-        </p:spPr>
-        <p:txBody>
-          <a:bodyPr wrap="square" rtlCol="0">
-            <a:spAutoFit/>
-          </a:bodyPr>
-          <a:lstStyle/>
-          <a:p>
-            <a:r>
-              <a:rPr lang="zh-CN" altLang="en-US" dirty="0" smtClean="0"/>
-              <a:t>③</a:t>
-            </a:r>
-            <a:r>
-              <a:rPr lang="en-US" altLang="zh-CN" dirty="0" smtClean="0"/>
-              <a:t>undefined</a:t>
-            </a:r>
-            <a:r>
-              <a:rPr lang="zh-CN" altLang="en-US" dirty="0" smtClean="0"/>
-              <a:t>的典型用法</a:t>
-            </a:r>
-            <a:r>
-              <a:rPr lang="en-US" altLang="zh-CN" dirty="0" smtClean="0"/>
-              <a:t>(</a:t>
-            </a:r>
-            <a:r>
-              <a:rPr lang="zh-CN" altLang="en-US" dirty="0"/>
-              <a:t>此处应该有一个值，但是还没有定义</a:t>
-            </a:r>
-            <a:r>
-              <a:rPr lang="en-US" altLang="zh-CN" dirty="0" smtClean="0"/>
-              <a:t>):</a:t>
-            </a:r>
-          </a:p>
-          <a:p>
-            <a:r>
-              <a:rPr lang="en-US" altLang="zh-CN" dirty="0"/>
-              <a:t>	</a:t>
-            </a:r>
-            <a:r>
-              <a:rPr lang="en-US" altLang="zh-CN" dirty="0" smtClean="0"/>
-              <a:t>a.</a:t>
-            </a:r>
-            <a:r>
-              <a:rPr lang="zh-CN" altLang="en-US" dirty="0"/>
-              <a:t>变量被声明了，但没有赋值</a:t>
-            </a:r>
-            <a:r>
-              <a:rPr lang="zh-CN" altLang="en-US" dirty="0" smtClean="0"/>
-              <a:t>时</a:t>
-            </a:r>
-            <a:endParaRPr lang="en-US" altLang="zh-CN" dirty="0" smtClean="0"/>
-          </a:p>
-          <a:p>
-            <a:r>
-              <a:rPr lang="en-US" altLang="zh-CN" dirty="0"/>
-              <a:t>	</a:t>
-            </a:r>
-            <a:r>
-              <a:rPr lang="en-US" altLang="zh-CN" dirty="0" smtClean="0"/>
-              <a:t>b.</a:t>
-            </a:r>
-            <a:r>
-              <a:rPr lang="zh-CN" altLang="en-US" dirty="0"/>
-              <a:t>调用函数时，应该提供的参数没有</a:t>
-            </a:r>
-            <a:r>
-              <a:rPr lang="zh-CN" altLang="en-US" dirty="0" smtClean="0"/>
-              <a:t>提供</a:t>
-            </a:r>
-            <a:endParaRPr lang="en-US" altLang="zh-CN" dirty="0" smtClean="0"/>
-          </a:p>
-          <a:p>
-            <a:r>
-              <a:rPr lang="en-US" altLang="zh-CN" dirty="0"/>
-              <a:t>	</a:t>
-            </a:r>
-            <a:r>
-              <a:rPr lang="en-US" altLang="zh-CN" dirty="0" smtClean="0"/>
-              <a:t>c.</a:t>
-            </a:r>
-            <a:r>
-              <a:rPr lang="zh-CN" altLang="en-US" dirty="0"/>
-              <a:t>对象</a:t>
-            </a:r>
-            <a:r>
-              <a:rPr lang="zh-CN" altLang="en-US" dirty="0" smtClean="0"/>
-              <a:t>没有</a:t>
-            </a:r>
-            <a:r>
-              <a:rPr lang="zh-CN" altLang="en-US" dirty="0"/>
-              <a:t>定义</a:t>
-            </a:r>
-            <a:r>
-              <a:rPr lang="zh-CN" altLang="en-US" dirty="0" smtClean="0"/>
-              <a:t>的属性</a:t>
-            </a:r>
-            <a:endParaRPr lang="en-US" altLang="zh-CN" dirty="0" smtClean="0"/>
-          </a:p>
-          <a:p>
-            <a:r>
-              <a:rPr lang="en-US" altLang="zh-CN" dirty="0" smtClean="0"/>
-              <a:t>	d.</a:t>
-            </a:r>
-            <a:r>
-              <a:rPr lang="zh-CN" altLang="en-US" dirty="0"/>
-              <a:t>函数没有返回值时</a:t>
-            </a:r>
-            <a:endParaRPr lang="zh-CN" altLang="en-US" dirty="0"/>
-          </a:p>
-        </p:txBody>
-      </p:sp>
-    </p:spTree>
-  </p:cSld>
-  <p:clrMapOvr>
-    <a:masterClrMapping/>
-  </p:clrMapOvr>
-</p:sld>
-</file>
-
-<file path=ppt/slides/slide5.xml><?xml version="1.0" encoding="utf-8"?>
-<p:sld xmlns:a="http://schemas.openxmlformats.org/drawingml/2006/main" xmlns:r="http://schemas.openxmlformats.org/officeDocument/2006/relationships" xmlns:p="http://schemas.openxmlformats.org/presentationml/2006/main">
-  <p:cSld>
-    <p:bg>
-      <p:bgPr>
-        <a:blipFill rotWithShape="1">
+        </p:nvPicPr>
+        <p:blipFill>
           <a:blip r:embed="rId2"/>
           <a:stretch>
             <a:fillRect/>
           </a:stretch>
-        </a:blipFill>
-        <a:effectLst/>
-      </p:bgPr>
-    </p:bg>
-    <p:spTree>
-      <p:nvGrpSpPr>
-        <p:cNvPr id="1" name=""/>
-        <p:cNvGrpSpPr/>
-        <p:nvPr/>
-      </p:nvGrpSpPr>
-      <p:grpSpPr>
-        <a:xfrm>
-          <a:off x="0" y="0"/>
-          <a:ext cx="0" cy="0"/>
-          <a:chOff x="0" y="0"/>
-          <a:chExt cx="0" cy="0"/>
-        </a:xfrm>
-      </p:grpSpPr>
-      <p:sp>
-        <p:nvSpPr>
-          <p:cNvPr id="3" name="文本框 2"/>
-          <p:cNvSpPr txBox="1"/>
-          <p:nvPr/>
-        </p:nvSpPr>
-        <p:spPr>
-          <a:xfrm>
-            <a:off x="241739" y="777766"/>
-            <a:ext cx="1914307" cy="369332"/>
+        </p:blipFill>
+        <p:spPr>
+          <a:xfrm>
+            <a:off x="6043448" y="735723"/>
+            <a:ext cx="6064469" cy="5822731"/>
           </a:xfrm>
           <a:prstGeom prst="rect">
             <a:avLst/>
           </a:prstGeom>
-          <a:noFill/>
-        </p:spPr>
-        <p:txBody>
-          <a:bodyPr wrap="none" rtlCol="0">
-            <a:spAutoFit/>
-          </a:bodyPr>
-          <a:lstStyle/>
-          <a:p>
-            <a:r>
-              <a:rPr lang="en-US" altLang="zh-CN" dirty="0" smtClean="0"/>
-              <a:t>3.1 </a:t>
-            </a:r>
-            <a:r>
-              <a:rPr lang="zh-CN" altLang="en-US" dirty="0" smtClean="0"/>
-              <a:t>表达式和语句</a:t>
-            </a:r>
-            <a:endParaRPr lang="zh-CN" altLang="en-US" dirty="0"/>
-          </a:p>
-        </p:txBody>
-      </p:sp>
-      <p:sp>
-        <p:nvSpPr>
-          <p:cNvPr id="4" name="文本框 3"/>
-          <p:cNvSpPr txBox="1"/>
-          <p:nvPr/>
-        </p:nvSpPr>
-        <p:spPr>
-          <a:xfrm>
-            <a:off x="746233" y="1147098"/>
-            <a:ext cx="9732579" cy="369332"/>
-          </a:xfrm>
-          <a:prstGeom prst="rect">
-            <a:avLst/>
-          </a:prstGeom>
-          <a:noFill/>
-        </p:spPr>
-        <p:txBody>
-          <a:bodyPr wrap="square" rtlCol="0">
-            <a:spAutoFit/>
-          </a:bodyPr>
-          <a:lstStyle/>
-          <a:p>
-            <a:r>
-              <a:rPr lang="zh-CN" altLang="en-US" dirty="0" smtClean="0">
-                <a:solidFill>
-                  <a:srgbClr val="FF0000"/>
-                </a:solidFill>
-              </a:rPr>
-              <a:t>表达式</a:t>
-            </a:r>
-            <a:r>
-              <a:rPr lang="zh-CN" altLang="en-US" dirty="0" smtClean="0"/>
-              <a:t>会产生一个值，能够放置在任何需要值的地方。</a:t>
-            </a:r>
-            <a:endParaRPr lang="zh-CN" altLang="en-US" dirty="0"/>
-          </a:p>
-        </p:txBody>
-      </p:sp>
+        </p:spPr>
+      </p:pic>
       <p:pic>
         <p:nvPicPr>
           <p:cNvPr id="5" name="图片 4"/>
@@ -4593,78 +6406,8 @@
         </p:blipFill>
         <p:spPr>
           <a:xfrm>
-            <a:off x="910130" y="1884033"/>
-            <a:ext cx="5724525" cy="790575"/>
-          </a:xfrm>
-          <a:prstGeom prst="rect">
-            <a:avLst/>
-          </a:prstGeom>
-        </p:spPr>
-      </p:pic>
-      <p:sp>
-        <p:nvSpPr>
-          <p:cNvPr id="6" name="文本框 5"/>
-          <p:cNvSpPr txBox="1"/>
-          <p:nvPr/>
-        </p:nvSpPr>
-        <p:spPr>
-          <a:xfrm>
-            <a:off x="746233" y="3499945"/>
-            <a:ext cx="4001416" cy="369332"/>
-          </a:xfrm>
-          <a:prstGeom prst="rect">
-            <a:avLst/>
-          </a:prstGeom>
-          <a:noFill/>
-        </p:spPr>
-        <p:txBody>
-          <a:bodyPr wrap="none" rtlCol="0">
-            <a:spAutoFit/>
-          </a:bodyPr>
-          <a:lstStyle/>
-          <a:p>
-            <a:r>
-              <a:rPr lang="zh-CN" altLang="en-US" dirty="0" smtClean="0">
-                <a:solidFill>
-                  <a:srgbClr val="FF0000"/>
-                </a:solidFill>
-              </a:rPr>
-              <a:t>语句</a:t>
-            </a:r>
-            <a:r>
-              <a:rPr lang="zh-CN" altLang="en-US" dirty="0" smtClean="0"/>
-              <a:t>会执行一个行为，比如</a:t>
-            </a:r>
-            <a:r>
-              <a:rPr lang="en-US" altLang="zh-CN" dirty="0" smtClean="0"/>
-              <a:t>if</a:t>
-            </a:r>
-            <a:r>
-              <a:rPr lang="zh-CN" altLang="en-US" dirty="0" smtClean="0"/>
-              <a:t>语句等。</a:t>
-            </a:r>
-            <a:endParaRPr lang="zh-CN" altLang="en-US" dirty="0"/>
-          </a:p>
-        </p:txBody>
-      </p:sp>
-      <p:pic>
-        <p:nvPicPr>
-          <p:cNvPr id="7" name="图片 6"/>
-          <p:cNvPicPr>
-            <a:picLocks noChangeAspect="1"/>
-          </p:cNvPicPr>
-          <p:nvPr/>
-        </p:nvPicPr>
-        <p:blipFill>
-          <a:blip r:embed="rId4"/>
-          <a:stretch>
-            <a:fillRect/>
-          </a:stretch>
-        </p:blipFill>
-        <p:spPr>
-          <a:xfrm>
-            <a:off x="995855" y="4273933"/>
-            <a:ext cx="5638800" cy="1400175"/>
+            <a:off x="631113" y="3425059"/>
+            <a:ext cx="4581525" cy="1752600"/>
           </a:xfrm>
           <a:prstGeom prst="rect">
             <a:avLst/>
@@ -4676,993 +6419,13 @@
   <p:clrMapOvr>
     <a:masterClrMapping/>
   </p:clrMapOvr>
-</p:sld>
-</file>
-
-<file path=ppt/slides/slide6.xml><?xml version="1.0" encoding="utf-8"?>
-<p:sld xmlns:a="http://schemas.openxmlformats.org/drawingml/2006/main" xmlns:r="http://schemas.openxmlformats.org/officeDocument/2006/relationships" xmlns:p="http://schemas.openxmlformats.org/presentationml/2006/main">
-  <p:cSld>
-    <p:bg>
-      <p:bgPr>
-        <a:blipFill rotWithShape="1">
-          <a:blip r:embed="rId2"/>
-          <a:stretch>
-            <a:fillRect/>
-          </a:stretch>
-        </a:blipFill>
-        <a:effectLst/>
-      </p:bgPr>
-    </p:bg>
-    <p:spTree>
-      <p:nvGrpSpPr>
-        <p:cNvPr id="1" name=""/>
-        <p:cNvGrpSpPr/>
-        <p:nvPr/>
-      </p:nvGrpSpPr>
-      <p:grpSpPr>
-        <a:xfrm>
-          <a:off x="0" y="0"/>
-          <a:ext cx="0" cy="0"/>
-          <a:chOff x="0" y="0"/>
-          <a:chExt cx="0" cy="0"/>
-        </a:xfrm>
-      </p:grpSpPr>
-      <p:sp>
-        <p:nvSpPr>
-          <p:cNvPr id="2" name="文本框 1"/>
-          <p:cNvSpPr txBox="1"/>
-          <p:nvPr/>
-        </p:nvSpPr>
-        <p:spPr>
-          <a:xfrm>
-            <a:off x="252248" y="777765"/>
-            <a:ext cx="1221809" cy="369332"/>
-          </a:xfrm>
-          <a:prstGeom prst="rect">
-            <a:avLst/>
-          </a:prstGeom>
-          <a:noFill/>
-        </p:spPr>
-        <p:txBody>
-          <a:bodyPr wrap="none" rtlCol="0">
-            <a:spAutoFit/>
-          </a:bodyPr>
-          <a:lstStyle/>
-          <a:p>
-            <a:r>
-              <a:rPr lang="en-US" altLang="zh-CN" dirty="0" smtClean="0"/>
-              <a:t>3.2 </a:t>
-            </a:r>
-            <a:r>
-              <a:rPr lang="zh-CN" altLang="en-US" dirty="0"/>
-              <a:t>运算符</a:t>
-            </a:r>
-          </a:p>
-        </p:txBody>
-      </p:sp>
-      <p:pic>
-        <p:nvPicPr>
-          <p:cNvPr id="3" name="图片 2"/>
-          <p:cNvPicPr>
-            <a:picLocks noChangeAspect="1"/>
-          </p:cNvPicPr>
-          <p:nvPr/>
-        </p:nvPicPr>
-        <p:blipFill>
-          <a:blip r:embed="rId3"/>
-          <a:stretch>
-            <a:fillRect/>
-          </a:stretch>
-        </p:blipFill>
-        <p:spPr>
-          <a:xfrm>
-            <a:off x="1474057" y="777765"/>
-            <a:ext cx="6699669" cy="5927835"/>
-          </a:xfrm>
-          <a:prstGeom prst="rect">
-            <a:avLst/>
-          </a:prstGeom>
-        </p:spPr>
-      </p:pic>
-      <p:sp>
-        <p:nvSpPr>
-          <p:cNvPr id="4" name="文本框 3"/>
-          <p:cNvSpPr txBox="1"/>
-          <p:nvPr/>
-        </p:nvSpPr>
-        <p:spPr>
-          <a:xfrm>
-            <a:off x="8965325" y="1168117"/>
-            <a:ext cx="2921876" cy="1200329"/>
-          </a:xfrm>
-          <a:prstGeom prst="rect">
-            <a:avLst/>
-          </a:prstGeom>
-          <a:noFill/>
-        </p:spPr>
-        <p:txBody>
-          <a:bodyPr wrap="square" rtlCol="0">
-            <a:spAutoFit/>
-          </a:bodyPr>
-          <a:lstStyle/>
-          <a:p>
-            <a:r>
-              <a:rPr lang="zh-CN" altLang="en-US" dirty="0" smtClean="0"/>
-              <a:t>逻辑运算符 </a:t>
-            </a:r>
-            <a:endParaRPr lang="en-US" altLang="zh-CN" dirty="0" smtClean="0"/>
-          </a:p>
-          <a:p>
-            <a:r>
-              <a:rPr lang="en-US" altLang="zh-CN" dirty="0"/>
-              <a:t> </a:t>
-            </a:r>
-            <a:r>
-              <a:rPr lang="en-US" altLang="zh-CN" dirty="0" smtClean="0"/>
-              <a:t>   a.</a:t>
-            </a:r>
-            <a:r>
-              <a:rPr lang="zh-CN" altLang="en-US" dirty="0" smtClean="0"/>
-              <a:t>逻辑或 </a:t>
-            </a:r>
-            <a:r>
-              <a:rPr lang="en-US" altLang="zh-CN" dirty="0" smtClean="0"/>
-              <a:t> || </a:t>
-            </a:r>
-          </a:p>
-          <a:p>
-            <a:r>
-              <a:rPr lang="zh-CN" altLang="en-US" dirty="0" smtClean="0"/>
-              <a:t>    </a:t>
-            </a:r>
-            <a:r>
-              <a:rPr lang="en-US" altLang="zh-CN" dirty="0" smtClean="0"/>
-              <a:t>b.</a:t>
-            </a:r>
-            <a:r>
-              <a:rPr lang="zh-CN" altLang="en-US" dirty="0" smtClean="0"/>
-              <a:t>逻辑且  </a:t>
-            </a:r>
-            <a:r>
-              <a:rPr lang="en-US" altLang="zh-CN" dirty="0" smtClean="0"/>
-              <a:t>&amp;&amp;</a:t>
-            </a:r>
-          </a:p>
-          <a:p>
-            <a:r>
-              <a:rPr lang="zh-CN" altLang="en-US" dirty="0" smtClean="0"/>
-              <a:t>    </a:t>
-            </a:r>
-            <a:r>
-              <a:rPr lang="en-US" altLang="zh-CN" dirty="0" smtClean="0"/>
-              <a:t>c.</a:t>
-            </a:r>
-            <a:r>
-              <a:rPr lang="zh-CN" altLang="en-US" dirty="0" smtClean="0"/>
-              <a:t>逻辑非 </a:t>
-            </a:r>
-            <a:r>
-              <a:rPr lang="en-US" altLang="zh-CN" dirty="0" smtClean="0"/>
-              <a:t>  !</a:t>
-            </a:r>
-            <a:endParaRPr lang="zh-CN" altLang="en-US" dirty="0"/>
-          </a:p>
-        </p:txBody>
-      </p:sp>
-      <p:sp>
-        <p:nvSpPr>
-          <p:cNvPr id="5" name="文本框 4"/>
-          <p:cNvSpPr txBox="1"/>
-          <p:nvPr/>
-        </p:nvSpPr>
-        <p:spPr>
-          <a:xfrm>
-            <a:off x="9080938" y="3394842"/>
-            <a:ext cx="1944413" cy="2031325"/>
-          </a:xfrm>
-          <a:prstGeom prst="rect">
-            <a:avLst/>
-          </a:prstGeom>
-          <a:noFill/>
-        </p:spPr>
-        <p:txBody>
-          <a:bodyPr wrap="square" rtlCol="0">
-            <a:spAutoFit/>
-          </a:bodyPr>
-          <a:lstStyle/>
-          <a:p>
-            <a:r>
-              <a:rPr lang="zh-CN" altLang="en-US" dirty="0" smtClean="0"/>
-              <a:t>位运算符</a:t>
-            </a:r>
-            <a:endParaRPr lang="en-US" altLang="zh-CN" dirty="0" smtClean="0"/>
-          </a:p>
-          <a:p>
-            <a:r>
-              <a:rPr lang="en-US" altLang="zh-CN" dirty="0"/>
-              <a:t> </a:t>
-            </a:r>
-            <a:r>
-              <a:rPr lang="en-US" altLang="zh-CN" dirty="0" smtClean="0"/>
-              <a:t>    a.</a:t>
-            </a:r>
-            <a:r>
-              <a:rPr lang="zh-CN" altLang="en-US" dirty="0" smtClean="0"/>
-              <a:t>按位与     </a:t>
-            </a:r>
-            <a:r>
-              <a:rPr lang="en-US" altLang="zh-CN" dirty="0" smtClean="0"/>
-              <a:t>&amp;</a:t>
-            </a:r>
-          </a:p>
-          <a:p>
-            <a:r>
-              <a:rPr lang="en-US" altLang="zh-CN" dirty="0"/>
-              <a:t> </a:t>
-            </a:r>
-            <a:r>
-              <a:rPr lang="en-US" altLang="zh-CN" dirty="0" smtClean="0"/>
-              <a:t>    b.</a:t>
-            </a:r>
-            <a:r>
-              <a:rPr lang="zh-CN" altLang="en-US" dirty="0" smtClean="0"/>
-              <a:t>按位或     </a:t>
-            </a:r>
-            <a:r>
-              <a:rPr lang="en-US" altLang="zh-CN" dirty="0" smtClean="0"/>
-              <a:t>|</a:t>
-            </a:r>
-          </a:p>
-          <a:p>
-            <a:r>
-              <a:rPr lang="en-US" altLang="zh-CN" dirty="0"/>
-              <a:t> </a:t>
-            </a:r>
-            <a:r>
-              <a:rPr lang="en-US" altLang="zh-CN" dirty="0" smtClean="0"/>
-              <a:t>    c.</a:t>
-            </a:r>
-            <a:r>
-              <a:rPr lang="zh-CN" altLang="en-US" dirty="0" smtClean="0"/>
-              <a:t>按位异或  </a:t>
-            </a:r>
-            <a:r>
-              <a:rPr lang="en-US" altLang="zh-CN" dirty="0" smtClean="0"/>
-              <a:t>^</a:t>
-            </a:r>
-          </a:p>
-          <a:p>
-            <a:r>
-              <a:rPr lang="en-US" altLang="zh-CN" dirty="0"/>
-              <a:t> </a:t>
-            </a:r>
-            <a:r>
-              <a:rPr lang="en-US" altLang="zh-CN" dirty="0" smtClean="0"/>
-              <a:t>    d.</a:t>
-            </a:r>
-            <a:r>
-              <a:rPr lang="zh-CN" altLang="en-US" dirty="0" smtClean="0"/>
-              <a:t>按位非      </a:t>
-            </a:r>
-            <a:r>
-              <a:rPr lang="en-US" altLang="zh-CN" dirty="0" smtClean="0"/>
-              <a:t>~</a:t>
-            </a:r>
-          </a:p>
-          <a:p>
-            <a:r>
-              <a:rPr lang="en-US" altLang="zh-CN" dirty="0"/>
-              <a:t> </a:t>
-            </a:r>
-            <a:r>
-              <a:rPr lang="en-US" altLang="zh-CN" dirty="0" smtClean="0"/>
-              <a:t>    e.</a:t>
-            </a:r>
-            <a:r>
-              <a:rPr lang="zh-CN" altLang="en-US" dirty="0" smtClean="0"/>
-              <a:t>左移          </a:t>
-            </a:r>
-            <a:r>
-              <a:rPr lang="en-US" altLang="zh-CN" dirty="0" smtClean="0"/>
-              <a:t>&lt;&lt;</a:t>
-            </a:r>
-          </a:p>
-          <a:p>
-            <a:r>
-              <a:rPr lang="en-US" altLang="zh-CN" dirty="0"/>
-              <a:t> </a:t>
-            </a:r>
-            <a:r>
-              <a:rPr lang="en-US" altLang="zh-CN" dirty="0" smtClean="0"/>
-              <a:t>     f.</a:t>
-            </a:r>
-            <a:r>
-              <a:rPr lang="zh-CN" altLang="en-US" dirty="0" smtClean="0"/>
-              <a:t>右移          </a:t>
-            </a:r>
-            <a:r>
-              <a:rPr lang="en-US" altLang="zh-CN" dirty="0" smtClean="0"/>
-              <a:t>&gt;&gt;</a:t>
-            </a:r>
-            <a:endParaRPr lang="zh-CN" altLang="en-US" dirty="0"/>
-          </a:p>
-        </p:txBody>
-      </p:sp>
-    </p:spTree>
-    <p:extLst>
-      <p:ext uri="{BB962C8B-B14F-4D97-AF65-F5344CB8AC3E}">
-        <p14:creationId xmlns:p14="http://schemas.microsoft.com/office/powerpoint/2010/main" val="2580296770"/>
-      </p:ext>
-    </p:extLst>
-  </p:cSld>
-  <p:clrMapOvr>
-    <a:masterClrMapping/>
-  </p:clrMapOvr>
-</p:sld>
-</file>
-
-<file path=ppt/slides/slide7.xml><?xml version="1.0" encoding="utf-8"?>
-<p:sld xmlns:a="http://schemas.openxmlformats.org/drawingml/2006/main" xmlns:r="http://schemas.openxmlformats.org/officeDocument/2006/relationships" xmlns:p="http://schemas.openxmlformats.org/presentationml/2006/main">
-  <p:cSld>
-    <p:bg>
-      <p:bgPr>
-        <a:blipFill rotWithShape="1">
-          <a:blip r:embed="rId2"/>
-          <a:stretch>
-            <a:fillRect/>
-          </a:stretch>
-        </a:blipFill>
-        <a:effectLst/>
-      </p:bgPr>
-    </p:bg>
-    <p:spTree>
-      <p:nvGrpSpPr>
-        <p:cNvPr id="1" name=""/>
-        <p:cNvGrpSpPr/>
-        <p:nvPr/>
-      </p:nvGrpSpPr>
-      <p:grpSpPr>
-        <a:xfrm>
-          <a:off x="0" y="0"/>
-          <a:ext cx="0" cy="0"/>
-          <a:chOff x="0" y="0"/>
-          <a:chExt cx="0" cy="0"/>
-        </a:xfrm>
-      </p:grpSpPr>
-      <p:sp>
-        <p:nvSpPr>
-          <p:cNvPr id="2" name="文本框 1"/>
-          <p:cNvSpPr txBox="1"/>
-          <p:nvPr/>
-        </p:nvSpPr>
-        <p:spPr>
-          <a:xfrm>
-            <a:off x="252249" y="756744"/>
-            <a:ext cx="1221809" cy="369332"/>
-          </a:xfrm>
-          <a:prstGeom prst="rect">
-            <a:avLst/>
-          </a:prstGeom>
-          <a:noFill/>
-        </p:spPr>
-        <p:txBody>
-          <a:bodyPr wrap="none" rtlCol="0">
-            <a:spAutoFit/>
-          </a:bodyPr>
-          <a:lstStyle/>
-          <a:p>
-            <a:r>
-              <a:rPr lang="en-US" altLang="zh-CN" dirty="0" smtClean="0"/>
-              <a:t>4.1 </a:t>
-            </a:r>
-            <a:r>
-              <a:rPr lang="zh-CN" altLang="en-US" dirty="0" smtClean="0"/>
-              <a:t>字符串</a:t>
-            </a:r>
-            <a:endParaRPr lang="zh-CN" altLang="en-US" dirty="0"/>
-          </a:p>
-        </p:txBody>
-      </p:sp>
-      <p:sp>
-        <p:nvSpPr>
-          <p:cNvPr id="3" name="文本框 2"/>
-          <p:cNvSpPr txBox="1"/>
-          <p:nvPr/>
-        </p:nvSpPr>
-        <p:spPr>
-          <a:xfrm>
-            <a:off x="610905" y="1126076"/>
-            <a:ext cx="3961095" cy="646331"/>
-          </a:xfrm>
-          <a:prstGeom prst="rect">
-            <a:avLst/>
-          </a:prstGeom>
-          <a:noFill/>
-        </p:spPr>
-        <p:txBody>
-          <a:bodyPr wrap="square" rtlCol="0">
-            <a:spAutoFit/>
-          </a:bodyPr>
-          <a:lstStyle/>
-          <a:p>
-            <a:r>
-              <a:rPr lang="en-US" altLang="zh-CN" dirty="0" smtClean="0"/>
-              <a:t>String</a:t>
-            </a:r>
-            <a:r>
-              <a:rPr lang="zh-CN" altLang="en-US" dirty="0" smtClean="0"/>
-              <a:t>类型是唯一没有固定大小的原始数据类型</a:t>
-            </a:r>
-            <a:r>
-              <a:rPr lang="en-US" altLang="zh-CN" dirty="0" smtClean="0"/>
-              <a:t>,</a:t>
-            </a:r>
-            <a:r>
-              <a:rPr lang="zh-CN" altLang="en-US" dirty="0" smtClean="0"/>
-              <a:t>可用单引号或双引号包围。</a:t>
-            </a:r>
-            <a:endParaRPr lang="zh-CN" altLang="en-US" dirty="0"/>
-          </a:p>
-        </p:txBody>
-      </p:sp>
-      <p:pic>
-        <p:nvPicPr>
-          <p:cNvPr id="4" name="图片 3"/>
-          <p:cNvPicPr>
-            <a:picLocks noChangeAspect="1"/>
-          </p:cNvPicPr>
-          <p:nvPr/>
-        </p:nvPicPr>
-        <p:blipFill>
-          <a:blip r:embed="rId3"/>
-          <a:stretch>
-            <a:fillRect/>
-          </a:stretch>
-        </p:blipFill>
-        <p:spPr>
-          <a:xfrm>
-            <a:off x="5078467" y="0"/>
-            <a:ext cx="7029450" cy="6747641"/>
-          </a:xfrm>
-          <a:prstGeom prst="rect">
-            <a:avLst/>
-          </a:prstGeom>
-        </p:spPr>
-      </p:pic>
-      <p:pic>
-        <p:nvPicPr>
-          <p:cNvPr id="5" name="图片 4"/>
-          <p:cNvPicPr>
-            <a:picLocks noChangeAspect="1"/>
-          </p:cNvPicPr>
-          <p:nvPr/>
-        </p:nvPicPr>
-        <p:blipFill>
-          <a:blip r:embed="rId4"/>
-          <a:stretch>
-            <a:fillRect/>
-          </a:stretch>
-        </p:blipFill>
-        <p:spPr>
-          <a:xfrm>
-            <a:off x="316296" y="2141739"/>
-            <a:ext cx="4508937" cy="2241330"/>
-          </a:xfrm>
-          <a:prstGeom prst="rect">
-            <a:avLst/>
-          </a:prstGeom>
-        </p:spPr>
-      </p:pic>
-    </p:spTree>
-  </p:cSld>
-  <p:clrMapOvr>
-    <a:masterClrMapping/>
-  </p:clrMapOvr>
-</p:sld>
-</file>
-
-<file path=ppt/slides/slide8.xml><?xml version="1.0" encoding="utf-8"?>
-<p:sld xmlns:a="http://schemas.openxmlformats.org/drawingml/2006/main" xmlns:r="http://schemas.openxmlformats.org/officeDocument/2006/relationships" xmlns:p="http://schemas.openxmlformats.org/presentationml/2006/main">
-  <p:cSld>
-    <p:bg>
-      <p:bgPr>
-        <a:blipFill rotWithShape="1">
-          <a:blip r:embed="rId2"/>
-          <a:stretch>
-            <a:fillRect/>
-          </a:stretch>
-        </a:blipFill>
-        <a:effectLst/>
-      </p:bgPr>
-    </p:bg>
-    <p:spTree>
-      <p:nvGrpSpPr>
-        <p:cNvPr id="1" name=""/>
-        <p:cNvGrpSpPr/>
-        <p:nvPr/>
-      </p:nvGrpSpPr>
-      <p:grpSpPr>
-        <a:xfrm>
-          <a:off x="0" y="0"/>
-          <a:ext cx="0" cy="0"/>
-          <a:chOff x="0" y="0"/>
-          <a:chExt cx="0" cy="0"/>
-        </a:xfrm>
-      </p:grpSpPr>
-      <p:sp>
-        <p:nvSpPr>
-          <p:cNvPr id="3" name="文本框 2"/>
-          <p:cNvSpPr txBox="1"/>
-          <p:nvPr/>
-        </p:nvSpPr>
-        <p:spPr>
-          <a:xfrm>
-            <a:off x="252248" y="777766"/>
-            <a:ext cx="1177159" cy="369332"/>
-          </a:xfrm>
-          <a:prstGeom prst="rect">
-            <a:avLst/>
-          </a:prstGeom>
-          <a:noFill/>
-        </p:spPr>
-        <p:txBody>
-          <a:bodyPr wrap="square" rtlCol="0">
-            <a:spAutoFit/>
-          </a:bodyPr>
-          <a:lstStyle/>
-          <a:p>
-            <a:r>
-              <a:rPr lang="en-US" altLang="zh-CN" dirty="0" smtClean="0"/>
-              <a:t>4.2 </a:t>
-            </a:r>
-            <a:r>
-              <a:rPr lang="zh-CN" altLang="en-US" dirty="0" smtClean="0"/>
-              <a:t>对象</a:t>
-            </a:r>
-            <a:endParaRPr lang="zh-CN" altLang="en-US" dirty="0"/>
-          </a:p>
-        </p:txBody>
-      </p:sp>
-      <p:sp>
-        <p:nvSpPr>
-          <p:cNvPr id="4" name="文本框 3"/>
-          <p:cNvSpPr txBox="1"/>
-          <p:nvPr/>
-        </p:nvSpPr>
-        <p:spPr>
-          <a:xfrm>
-            <a:off x="748461" y="1147098"/>
-            <a:ext cx="5856796" cy="923330"/>
-          </a:xfrm>
-          <a:prstGeom prst="rect">
-            <a:avLst/>
-          </a:prstGeom>
-          <a:noFill/>
-        </p:spPr>
-        <p:txBody>
-          <a:bodyPr wrap="none" rtlCol="0">
-            <a:spAutoFit/>
-          </a:bodyPr>
-          <a:lstStyle/>
-          <a:p>
-            <a:r>
-              <a:rPr lang="zh-CN" altLang="en-US" dirty="0" smtClean="0"/>
-              <a:t>❶  创建对象的方式</a:t>
-            </a:r>
-            <a:endParaRPr lang="en-US" altLang="zh-CN" dirty="0" smtClean="0"/>
-          </a:p>
-          <a:p>
-            <a:r>
-              <a:rPr lang="en-US" altLang="zh-CN" dirty="0"/>
-              <a:t> </a:t>
-            </a:r>
-            <a:r>
-              <a:rPr lang="en-US" altLang="zh-CN" dirty="0" smtClean="0"/>
-              <a:t>      a.</a:t>
-            </a:r>
-            <a:r>
-              <a:rPr lang="zh-CN" altLang="en-US" dirty="0" smtClean="0"/>
-              <a:t>以</a:t>
-            </a:r>
-            <a:r>
-              <a:rPr lang="en-US" altLang="zh-CN" dirty="0" smtClean="0"/>
-              <a:t>new</a:t>
-            </a:r>
-            <a:r>
-              <a:rPr lang="zh-CN" altLang="en-US" dirty="0" smtClean="0"/>
-              <a:t>操作符方式创建对象 。</a:t>
-            </a:r>
-            <a:r>
-              <a:rPr lang="en-US" altLang="zh-CN" dirty="0" smtClean="0"/>
-              <a:t>var obj = new Object();</a:t>
-            </a:r>
-          </a:p>
-          <a:p>
-            <a:r>
-              <a:rPr lang="en-US" altLang="zh-CN" dirty="0"/>
-              <a:t> </a:t>
-            </a:r>
-            <a:r>
-              <a:rPr lang="en-US" altLang="zh-CN" dirty="0" smtClean="0"/>
-              <a:t>      b.</a:t>
-            </a:r>
-            <a:r>
-              <a:rPr lang="zh-CN" altLang="en-US" dirty="0" smtClean="0"/>
-              <a:t>以对象字面量方式创建对象。</a:t>
-            </a:r>
-            <a:r>
-              <a:rPr lang="en-US" altLang="zh-CN" dirty="0" smtClean="0"/>
-              <a:t>var obj = {};</a:t>
-            </a:r>
-            <a:endParaRPr lang="zh-CN" altLang="en-US" dirty="0"/>
-          </a:p>
-        </p:txBody>
-      </p:sp>
-      <p:sp>
-        <p:nvSpPr>
-          <p:cNvPr id="5" name="文本框 4"/>
-          <p:cNvSpPr txBox="1"/>
-          <p:nvPr/>
-        </p:nvSpPr>
-        <p:spPr>
-          <a:xfrm>
-            <a:off x="748461" y="2744275"/>
-            <a:ext cx="6840008" cy="923330"/>
-          </a:xfrm>
-          <a:prstGeom prst="rect">
-            <a:avLst/>
-          </a:prstGeom>
-          <a:noFill/>
-        </p:spPr>
-        <p:txBody>
-          <a:bodyPr wrap="square" rtlCol="0">
-            <a:spAutoFit/>
-          </a:bodyPr>
-          <a:lstStyle/>
-          <a:p>
-            <a:r>
-              <a:rPr lang="zh-CN" altLang="en-US" dirty="0" smtClean="0"/>
-              <a:t>❷ 对象属性的访问方式</a:t>
-            </a:r>
-            <a:endParaRPr lang="en-US" altLang="zh-CN" dirty="0" smtClean="0"/>
-          </a:p>
-          <a:p>
-            <a:r>
-              <a:rPr lang="en-US" altLang="zh-CN" dirty="0" smtClean="0"/>
-              <a:t>       a.</a:t>
-            </a:r>
-            <a:r>
-              <a:rPr lang="zh-CN" altLang="en-US" dirty="0" smtClean="0"/>
-              <a:t>使用“</a:t>
-            </a:r>
-            <a:r>
-              <a:rPr lang="en-US" altLang="zh-CN" dirty="0" smtClean="0"/>
-              <a:t>.</a:t>
-            </a:r>
-            <a:r>
-              <a:rPr lang="zh-CN" altLang="en-US" dirty="0" smtClean="0"/>
-              <a:t>”操作符访问符来访问。如</a:t>
-            </a:r>
-            <a:r>
-              <a:rPr lang="en-US" altLang="zh-CN" dirty="0" smtClean="0"/>
-              <a:t>obj.toString();</a:t>
-            </a:r>
-          </a:p>
-          <a:p>
-            <a:r>
-              <a:rPr lang="en-US" altLang="zh-CN" dirty="0"/>
-              <a:t> </a:t>
-            </a:r>
-            <a:r>
-              <a:rPr lang="en-US" altLang="zh-CN" dirty="0" smtClean="0"/>
-              <a:t>      b.</a:t>
-            </a:r>
-            <a:r>
-              <a:rPr lang="zh-CN" altLang="en-US" dirty="0" smtClean="0"/>
-              <a:t>使用下标操作符“</a:t>
-            </a:r>
-            <a:r>
-              <a:rPr lang="en-US" altLang="zh-CN" dirty="0" smtClean="0"/>
-              <a:t>[]</a:t>
-            </a:r>
-            <a:r>
-              <a:rPr lang="zh-CN" altLang="en-US" dirty="0" smtClean="0"/>
-              <a:t>”来访问。如</a:t>
-            </a:r>
-            <a:r>
-              <a:rPr lang="en-US" altLang="zh-CN" dirty="0" smtClean="0"/>
-              <a:t>obj[“toString”]();</a:t>
-            </a:r>
-            <a:endParaRPr lang="zh-CN" altLang="en-US" dirty="0"/>
-          </a:p>
-        </p:txBody>
-      </p:sp>
-      <p:sp>
-        <p:nvSpPr>
-          <p:cNvPr id="8" name="文本框 7"/>
-          <p:cNvSpPr txBox="1"/>
-          <p:nvPr/>
-        </p:nvSpPr>
-        <p:spPr>
-          <a:xfrm>
-            <a:off x="650993" y="4450001"/>
-            <a:ext cx="6051732" cy="646331"/>
-          </a:xfrm>
-          <a:prstGeom prst="rect">
-            <a:avLst/>
-          </a:prstGeom>
-          <a:noFill/>
-        </p:spPr>
-        <p:txBody>
-          <a:bodyPr wrap="square" rtlCol="0">
-            <a:spAutoFit/>
-          </a:bodyPr>
-          <a:lstStyle/>
-          <a:p>
-            <a:r>
-              <a:rPr lang="zh-CN" altLang="en-US" dirty="0" smtClean="0"/>
-              <a:t>❸对象属性的扩展方法</a:t>
-            </a:r>
-            <a:endParaRPr lang="en-US" altLang="zh-CN" dirty="0" smtClean="0"/>
-          </a:p>
-          <a:p>
-            <a:r>
-              <a:rPr lang="en-US" altLang="zh-CN" dirty="0"/>
-              <a:t> </a:t>
-            </a:r>
-            <a:r>
-              <a:rPr lang="en-US" altLang="zh-CN" dirty="0" smtClean="0"/>
-              <a:t>     a.</a:t>
-            </a:r>
-            <a:r>
-              <a:rPr lang="zh-CN" altLang="en-US" dirty="0" smtClean="0"/>
-              <a:t>使用对象变量名加属性名来扩展。如</a:t>
-            </a:r>
-            <a:r>
-              <a:rPr lang="en-US" altLang="zh-CN" dirty="0" smtClean="0"/>
-              <a:t>obj.name=“dog”;</a:t>
-            </a:r>
-            <a:endParaRPr lang="zh-CN" altLang="en-US" dirty="0"/>
-          </a:p>
-        </p:txBody>
-      </p:sp>
-      <p:sp>
-        <p:nvSpPr>
-          <p:cNvPr id="9" name="文本框 8"/>
-          <p:cNvSpPr txBox="1"/>
-          <p:nvPr/>
-        </p:nvSpPr>
-        <p:spPr>
-          <a:xfrm>
-            <a:off x="686665" y="5770179"/>
-            <a:ext cx="5980387" cy="369332"/>
-          </a:xfrm>
-          <a:prstGeom prst="rect">
-            <a:avLst/>
-          </a:prstGeom>
-          <a:noFill/>
-        </p:spPr>
-        <p:txBody>
-          <a:bodyPr wrap="square" rtlCol="0">
-            <a:spAutoFit/>
-          </a:bodyPr>
-          <a:lstStyle/>
-          <a:p>
-            <a:r>
-              <a:rPr lang="zh-CN" altLang="en-US" dirty="0" smtClean="0"/>
-              <a:t>❹对象属性的遍历方法   </a:t>
-            </a:r>
-            <a:r>
-              <a:rPr lang="en-US" altLang="zh-CN" dirty="0" smtClean="0"/>
-              <a:t>for  … in</a:t>
-            </a:r>
-            <a:endParaRPr lang="zh-CN" altLang="en-US" dirty="0"/>
-          </a:p>
-        </p:txBody>
-      </p:sp>
-    </p:spTree>
-  </p:cSld>
-  <p:clrMapOvr>
-    <a:masterClrMapping/>
-  </p:clrMapOvr>
-</p:sld>
-</file>
-
-<file path=ppt/slides/slide9.xml><?xml version="1.0" encoding="utf-8"?>
-<p:sld xmlns:a="http://schemas.openxmlformats.org/drawingml/2006/main" xmlns:r="http://schemas.openxmlformats.org/officeDocument/2006/relationships" xmlns:p="http://schemas.openxmlformats.org/presentationml/2006/main">
-  <p:cSld>
-    <p:bg>
-      <p:bgPr>
-        <a:blipFill rotWithShape="1">
-          <a:blip r:embed="rId2"/>
-          <a:stretch>
-            <a:fillRect/>
-          </a:stretch>
-        </a:blipFill>
-        <a:effectLst/>
-      </p:bgPr>
-    </p:bg>
-    <p:spTree>
-      <p:nvGrpSpPr>
-        <p:cNvPr id="1" name=""/>
-        <p:cNvGrpSpPr/>
-        <p:nvPr/>
-      </p:nvGrpSpPr>
-      <p:grpSpPr>
-        <a:xfrm>
-          <a:off x="0" y="0"/>
-          <a:ext cx="0" cy="0"/>
-          <a:chOff x="0" y="0"/>
-          <a:chExt cx="0" cy="0"/>
-        </a:xfrm>
-      </p:grpSpPr>
-      <p:sp>
-        <p:nvSpPr>
-          <p:cNvPr id="2" name="文本框 1"/>
-          <p:cNvSpPr txBox="1"/>
-          <p:nvPr/>
-        </p:nvSpPr>
-        <p:spPr>
-          <a:xfrm>
-            <a:off x="241737" y="735724"/>
-            <a:ext cx="1043876" cy="369332"/>
-          </a:xfrm>
-          <a:prstGeom prst="rect">
-            <a:avLst/>
-          </a:prstGeom>
-          <a:noFill/>
-        </p:spPr>
-        <p:txBody>
-          <a:bodyPr wrap="none" rtlCol="0">
-            <a:spAutoFit/>
-          </a:bodyPr>
-          <a:lstStyle/>
-          <a:p>
-            <a:r>
-              <a:rPr lang="en-US" altLang="zh-CN" dirty="0" smtClean="0"/>
-              <a:t>4.3  </a:t>
-            </a:r>
-            <a:r>
-              <a:rPr lang="zh-CN" altLang="en-US" dirty="0" smtClean="0"/>
-              <a:t>数组</a:t>
-            </a:r>
-            <a:endParaRPr lang="zh-CN" altLang="en-US" dirty="0"/>
-          </a:p>
-        </p:txBody>
-      </p:sp>
-      <p:sp>
-        <p:nvSpPr>
-          <p:cNvPr id="3" name="文本框 2"/>
-          <p:cNvSpPr txBox="1"/>
-          <p:nvPr/>
-        </p:nvSpPr>
-        <p:spPr>
-          <a:xfrm>
-            <a:off x="241737" y="1303284"/>
-            <a:ext cx="5801712" cy="923330"/>
-          </a:xfrm>
-          <a:prstGeom prst="rect">
-            <a:avLst/>
-          </a:prstGeom>
-          <a:noFill/>
-        </p:spPr>
-        <p:txBody>
-          <a:bodyPr wrap="square" rtlCol="0">
-            <a:spAutoFit/>
-          </a:bodyPr>
-          <a:lstStyle/>
-          <a:p>
-            <a:r>
-              <a:rPr lang="zh-CN" altLang="en-US" dirty="0" smtClean="0"/>
-              <a:t>❶ 数组的创建方式</a:t>
-            </a:r>
-            <a:endParaRPr lang="en-US" altLang="zh-CN" dirty="0" smtClean="0"/>
-          </a:p>
-          <a:p>
-            <a:r>
-              <a:rPr lang="en-US" altLang="zh-CN" dirty="0"/>
-              <a:t> </a:t>
-            </a:r>
-            <a:r>
-              <a:rPr lang="en-US" altLang="zh-CN" dirty="0" smtClean="0"/>
-              <a:t>     a.</a:t>
-            </a:r>
-            <a:r>
-              <a:rPr lang="zh-CN" altLang="en-US" dirty="0" smtClean="0"/>
-              <a:t>使用</a:t>
-            </a:r>
-            <a:r>
-              <a:rPr lang="en-US" altLang="zh-CN" dirty="0" smtClean="0"/>
-              <a:t>new</a:t>
-            </a:r>
-            <a:r>
-              <a:rPr lang="zh-CN" altLang="en-US" dirty="0" smtClean="0"/>
-              <a:t>操作符创建数组。</a:t>
-            </a:r>
-            <a:r>
-              <a:rPr lang="en-US" altLang="zh-CN" dirty="0" smtClean="0"/>
-              <a:t>var arr = new Array(1,2,3);</a:t>
-            </a:r>
-          </a:p>
-          <a:p>
-            <a:r>
-              <a:rPr lang="en-US" altLang="zh-CN" dirty="0"/>
-              <a:t> </a:t>
-            </a:r>
-            <a:r>
-              <a:rPr lang="en-US" altLang="zh-CN" dirty="0" smtClean="0"/>
-              <a:t>     b.</a:t>
-            </a:r>
-            <a:r>
-              <a:rPr lang="zh-CN" altLang="en-US" dirty="0" smtClean="0"/>
-              <a:t>以数组直接量创建数组。</a:t>
-            </a:r>
-            <a:r>
-              <a:rPr lang="en-US" altLang="zh-CN" dirty="0" smtClean="0"/>
-              <a:t>Var arr =[1,2,3];</a:t>
-            </a:r>
-            <a:endParaRPr lang="zh-CN" altLang="en-US" dirty="0"/>
-          </a:p>
-        </p:txBody>
-      </p:sp>
-      <p:pic>
-        <p:nvPicPr>
-          <p:cNvPr id="4" name="图片 3"/>
-          <p:cNvPicPr>
-            <a:picLocks noChangeAspect="1"/>
-          </p:cNvPicPr>
-          <p:nvPr/>
-        </p:nvPicPr>
-        <p:blipFill>
-          <a:blip r:embed="rId3"/>
-          <a:stretch>
-            <a:fillRect/>
-          </a:stretch>
-        </p:blipFill>
-        <p:spPr>
-          <a:xfrm>
-            <a:off x="6043448" y="735723"/>
-            <a:ext cx="6064469" cy="5822731"/>
-          </a:xfrm>
-          <a:prstGeom prst="rect">
-            <a:avLst/>
-          </a:prstGeom>
-        </p:spPr>
-      </p:pic>
-      <p:pic>
-        <p:nvPicPr>
-          <p:cNvPr id="5" name="图片 4"/>
-          <p:cNvPicPr>
-            <a:picLocks noChangeAspect="1"/>
-          </p:cNvPicPr>
-          <p:nvPr/>
-        </p:nvPicPr>
-        <p:blipFill>
-          <a:blip r:embed="rId4"/>
-          <a:stretch>
-            <a:fillRect/>
-          </a:stretch>
-        </p:blipFill>
-        <p:spPr>
-          <a:xfrm>
-            <a:off x="631113" y="3425059"/>
-            <a:ext cx="4581525" cy="1752600"/>
-          </a:xfrm>
-          <a:prstGeom prst="rect">
-            <a:avLst/>
-          </a:prstGeom>
-        </p:spPr>
-      </p:pic>
-    </p:spTree>
-    <p:extLst>
-      <p:ext uri="{BB962C8B-B14F-4D97-AF65-F5344CB8AC3E}">
-        <p14:creationId xmlns:p14="http://schemas.microsoft.com/office/powerpoint/2010/main" val="845774859"/>
-      </p:ext>
-    </p:extLst>
-  </p:cSld>
-  <p:clrMapOvr>
-    <a:masterClrMapping/>
-  </p:clrMapOvr>
+  <p:timing>
+    <p:tnLst>
+      <p:par>
+        <p:cTn id="1" dur="indefinite" restart="never" nodeType="tmRoot"/>
+      </p:par>
+    </p:tnLst>
+  </p:timing>
 </p:sld>
 </file>
 
@@ -5917,8 +6680,6 @@
       </a:bgFillStyleLst>
     </a:fmtScheme>
   </a:themeElements>
-  <a:objectDefaults/>
-  <a:extraClrSchemeLst/>
   <a:extLst>
     <a:ext uri="{05A4C25C-085E-4340-85A3-A5531E510DB2}">
       <thm15:themeFamily xmlns:thm15="http://schemas.microsoft.com/office/thememl/2012/main" name="Office Theme" id="{62F939B6-93AF-4DB8-9C6B-D6C7DFDC589F}" vid="{4A3C46E8-61CC-4603-A589-7422A47A8E4A}"/>
@@ -6178,8 +6939,6 @@
       </a:bgFillStyleLst>
     </a:fmtScheme>
   </a:themeElements>
-  <a:objectDefaults/>
-  <a:extraClrSchemeLst/>
   <a:extLst>
     <a:ext uri="{05A4C25C-085E-4340-85A3-A5531E510DB2}">
       <thm15:themeFamily xmlns:thm15="http://schemas.microsoft.com/office/thememl/2012/main" name="Office Theme" id="{62F939B6-93AF-4DB8-9C6B-D6C7DFDC589F}" vid="{4A3C46E8-61CC-4603-A589-7422A47A8E4A}"/>

--- a/documents/Javascript语言基础.pptx
+++ b/documents/Javascript语言基础.pptx
@@ -4204,6 +4204,30 @@
           </a:p>
         </p:txBody>
       </p:sp>
+      <p:pic>
+        <p:nvPicPr>
+          <p:cNvPr id="4" name="图片 3"/>
+          <p:cNvPicPr>
+            <a:picLocks noChangeAspect="1"/>
+          </p:cNvPicPr>
+          <p:nvPr/>
+        </p:nvPicPr>
+        <p:blipFill>
+          <a:blip r:embed="rId2"/>
+          <a:stretch>
+            <a:fillRect/>
+          </a:stretch>
+        </p:blipFill>
+        <p:spPr>
+          <a:xfrm>
+            <a:off x="2578100" y="2422525"/>
+            <a:ext cx="6238240" cy="3368040"/>
+          </a:xfrm>
+          <a:prstGeom prst="rect">
+            <a:avLst/>
+          </a:prstGeom>
+        </p:spPr>
+      </p:pic>
     </p:spTree>
   </p:cSld>
   <p:clrMapOvr>
